--- a/tensorboard/神经网络可视化与TensorBoard.pptx
+++ b/tensorboard/神经网络可视化与TensorBoard.pptx
@@ -29,12 +29,16 @@
     <p:sldId id="315" r:id="rId22"/>
     <p:sldId id="317" r:id="rId23"/>
     <p:sldId id="316" r:id="rId24"/>
-    <p:sldId id="271" r:id="rId25"/>
-    <p:sldId id="303" r:id="rId26"/>
-    <p:sldId id="288" r:id="rId27"/>
-    <p:sldId id="273" r:id="rId28"/>
-    <p:sldId id="287" r:id="rId29"/>
-    <p:sldId id="289" r:id="rId30"/>
+    <p:sldId id="335" r:id="rId25"/>
+    <p:sldId id="337" r:id="rId26"/>
+    <p:sldId id="336" r:id="rId27"/>
+    <p:sldId id="345" r:id="rId28"/>
+    <p:sldId id="271" r:id="rId29"/>
+    <p:sldId id="303" r:id="rId30"/>
+    <p:sldId id="288" r:id="rId31"/>
+    <p:sldId id="273" r:id="rId32"/>
+    <p:sldId id="287" r:id="rId33"/>
+    <p:sldId id="289" r:id="rId34"/>
   </p:sldIdLst>
   <p:sldSz cx="12192000" cy="6858000"/>
   <p:notesSz cx="7103745" cy="10234295"/>
@@ -515,35 +519,37 @@
         <p:txBody>
           <a:bodyPr/>
           <a:p>
-            <a:r>
-              <a:rPr lang="en-US" altLang="zh-CN">
-                <a:sym typeface="+mn-ea"/>
-              </a:rPr>
-              <a:t>(https://www.jianshu.com/p/78a595ddb2be)</a:t>
-            </a:r>
-            <a:r>
-              <a:rPr lang="zh-CN" altLang="en-US">
-                <a:sym typeface="+mn-ea"/>
-              </a:rPr>
-              <a:t>：</a:t>
-            </a:r>
-            <a:endParaRPr lang="zh-CN" altLang="en-US"/>
-          </a:p>
-          <a:p>
-            <a:r>
-              <a:rPr lang="zh-CN" altLang="en-US">
-                <a:sym typeface="+mn-ea"/>
-              </a:rPr>
-              <a:t>学习过程不可控，识别原理不可解释</a:t>
-            </a:r>
-            <a:endParaRPr lang="zh-CN" altLang="en-US"/>
-          </a:p>
-          <a:p>
-            <a:r>
-              <a:rPr lang="zh-CN" altLang="en-US">
-                <a:sym typeface="+mn-ea"/>
-              </a:rPr>
-              <a:t>当预设了它的模型，完成初始化后，剩下的就是喂数据给它即可。至于网络中数以万计的权重和偏置该如何调整，将止步何处，整个动态优化的过程人类完全插不上手。</a:t>
+            <a:endParaRPr lang="zh-CN" altLang="en-US"/>
+          </a:p>
+          <a:p>
+            <a:r>
+              <a:rPr lang="zh-CN" altLang="en-US"/>
+              <a:t>universal approximation theorem  万能近似定理指出，单隐藏层（hidden layer）非线性前馈神经网络，可以在实数空间近似任何连续函数。</a:t>
+            </a:r>
+            <a:endParaRPr lang="zh-CN" altLang="en-US"/>
+          </a:p>
+          <a:p>
+            <a:r>
+              <a:rPr lang="zh-CN" altLang="en-US"/>
+              <a:t>上世纪80</a:t>
+            </a:r>
+            <a:r>
+              <a:rPr lang="en-US" altLang="zh-CN"/>
+              <a:t>/</a:t>
+            </a:r>
+            <a:r>
+              <a:rPr lang="zh-CN" altLang="en-US"/>
+              <a:t>90年代，Backpropagation 刚刚开始大行其道，利用这一算法，只需知道输入和输出便可训练网络参数，从而得到一个神经网络“黑箱”。之所以称为黑箱，是因为无需知道y=f(x) 中f的表达式是什么，也能轻易做函数计算，因为f（objective function）就是网络本身。</a:t>
+            </a:r>
+            <a:endParaRPr lang="zh-CN" altLang="en-US"/>
+          </a:p>
+          <a:p>
+            <a:endParaRPr lang="zh-CN" altLang="en-US"/>
+          </a:p>
+          <a:p>
+            <a:r>
+              <a:rPr lang="zh-CN" altLang="en-US"/>
+              <a:t>引用：https://www.zhihu.com/question/26017374/answer/127924427</a:t>
             </a:r>
             <a:endParaRPr lang="zh-CN" altLang="en-US"/>
           </a:p>
@@ -593,45 +599,85 @@
           <a:bodyPr/>
           <a:p>
             <a:r>
+              <a:rPr lang="zh-CN" altLang="en-US"/>
+              <a:t>以三维的形式呈现数据的分布。</a:t>
+            </a:r>
+            <a:endParaRPr lang="zh-CN" altLang="en-US"/>
+          </a:p>
+          <a:p>
+            <a:r>
+              <a:rPr lang="en-US" altLang="zh-CN"/>
+              <a:t>Y</a:t>
+            </a:r>
+            <a:r>
+              <a:rPr lang="zh-CN" altLang="en-US"/>
+              <a:t>轴是训练步数；</a:t>
+            </a:r>
+            <a:endParaRPr lang="zh-CN" altLang="en-US"/>
+          </a:p>
+          <a:p>
+            <a:r>
               <a:rPr lang="en-US" altLang="zh-CN"/>
               <a:t>X</a:t>
             </a:r>
             <a:r>
               <a:rPr lang="zh-CN" altLang="en-US"/>
-              <a:t>轴是迭代步数；</a:t>
-            </a:r>
-            <a:endParaRPr lang="zh-CN" altLang="en-US"/>
-          </a:p>
-          <a:p>
-            <a:r>
-              <a:rPr lang="en-US" altLang="zh-CN"/>
-              <a:t>Y</a:t>
-            </a:r>
-            <a:r>
-              <a:rPr lang="zh-CN" altLang="en-US"/>
-              <a:t>轴是参数值；</a:t>
-            </a:r>
-            <a:endParaRPr lang="zh-CN" altLang="en-US"/>
-          </a:p>
-          <a:p>
-            <a:r>
-              <a:rPr lang="zh-CN" altLang="en-US"/>
-              <a:t>每条线表示数据分布的百分位数，例如，底线显示最小值随时间的变化趋势，中间的线显示中值变化的趋势。</a:t>
-            </a:r>
-            <a:endParaRPr lang="zh-CN" altLang="en-US"/>
-          </a:p>
-          <a:p>
-            <a:r>
-              <a:rPr lang="zh-CN" altLang="en-US"/>
-              <a:t>从上至下看时，各行具有以下含义：[最大值，93％，84％，69％，50％，31％，16％，7％，最小值]。</a:t>
-            </a:r>
-            <a:endParaRPr lang="zh-CN" altLang="en-US"/>
-          </a:p>
-          <a:p>
-            <a:r>
-              <a:rPr lang="zh-CN" altLang="en-US"/>
-              <a:t>这些百分位数也可以看作标准偏差的正态分布：[最大值，μ+1.5σ，μ+σ，μ+0.5σ，μ，μ-0.5σ，μ-σ，μ-1.5σ，最小值]，使得从内侧读到外侧的着色区域分别具有宽度[σ，2σ，3σ]</a:t>
-            </a:r>
+              <a:t>轴是取值，每一个取值表示以该值为中心的一个区间；</a:t>
+            </a:r>
+            <a:endParaRPr lang="zh-CN" altLang="en-US"/>
+          </a:p>
+          <a:p>
+            <a:r>
+              <a:rPr lang="zh-CN" altLang="en-US"/>
+              <a:t>图像的值（鼠标放上去，可以显示出来），表示训练到第</a:t>
+            </a:r>
+            <a:r>
+              <a:rPr lang="en-US" altLang="zh-CN"/>
+              <a:t>x</a:t>
+            </a:r>
+            <a:r>
+              <a:rPr lang="zh-CN" altLang="en-US"/>
+              <a:t>步时，以</a:t>
+            </a:r>
+            <a:r>
+              <a:rPr lang="en-US" altLang="zh-CN"/>
+              <a:t>y</a:t>
+            </a:r>
+            <a:r>
+              <a:rPr lang="zh-CN" altLang="en-US"/>
+              <a:t>为中心的区间内，有多少个元素。</a:t>
+            </a:r>
+            <a:endParaRPr lang="zh-CN" altLang="en-US"/>
+          </a:p>
+          <a:p>
+            <a:endParaRPr lang="zh-CN" altLang="en-US"/>
+          </a:p>
+          <a:p>
+            <a:r>
+              <a:rPr lang="zh-CN" altLang="en-US"/>
+              <a:t>统计学中的频数分布直方图。</a:t>
+            </a:r>
+            <a:endParaRPr lang="zh-CN" altLang="en-US"/>
+          </a:p>
+          <a:p>
+            <a:r>
+              <a:rPr lang="zh-CN" altLang="en-US"/>
+              <a:t>可以以</a:t>
+            </a:r>
+            <a:r>
+              <a:rPr lang="en-US" altLang="zh-CN"/>
+              <a:t>bias</a:t>
+            </a:r>
+            <a:r>
+              <a:rPr lang="zh-CN" altLang="en-US"/>
+              <a:t>为例，获得直观的感受。</a:t>
+            </a:r>
+            <a:endParaRPr lang="zh-CN" altLang="en-US"/>
+          </a:p>
+          <a:p>
+            <a:endParaRPr lang="zh-CN" altLang="en-US"/>
+          </a:p>
+          <a:p>
             <a:endParaRPr lang="zh-CN" altLang="en-US"/>
           </a:p>
         </p:txBody>
@@ -677,80 +723,45 @@
           <a:bodyPr/>
           <a:p>
             <a:r>
-              <a:rPr lang="zh-CN" altLang="en-US">
-                <a:sym typeface="+mn-ea"/>
-              </a:rPr>
-              <a:t>比如：统计了2000个数据（比如对某次考试成绩的统计）,并且从高到低排序.</a:t>
-            </a:r>
-            <a:endParaRPr lang="zh-CN" altLang="en-US"/>
-          </a:p>
-          <a:p>
-            <a:r>
-              <a:rPr lang="zh-CN" altLang="en-US">
-                <a:sym typeface="+mn-ea"/>
-              </a:rPr>
-              <a:t>甲78分，排名1204，1204/2000＝60.2%</a:t>
-            </a:r>
-            <a:endParaRPr lang="zh-CN" altLang="en-US"/>
-          </a:p>
-          <a:p>
-            <a:r>
-              <a:rPr lang="zh-CN" altLang="en-US">
-                <a:sym typeface="+mn-ea"/>
-              </a:rPr>
-              <a:t>乙87分，排名69，69/2000＝3.45%</a:t>
-            </a:r>
-            <a:endParaRPr lang="zh-CN" altLang="en-US"/>
-          </a:p>
-          <a:p>
-            <a:r>
-              <a:rPr lang="zh-CN" altLang="en-US">
-                <a:sym typeface="+mn-ea"/>
-              </a:rPr>
-              <a:t>我们称78分在60.2%的位置上, 87分在3.45%的位置上.</a:t>
-            </a:r>
-            <a:endParaRPr lang="zh-CN" altLang="en-US"/>
-          </a:p>
-          <a:p>
-            <a:r>
-              <a:rPr lang="zh-CN" altLang="en-US">
-                <a:sym typeface="+mn-ea"/>
-              </a:rPr>
-              <a:t>即在60%的位置上约78分, 3.5%的位置上约87分.</a:t>
-            </a:r>
-            <a:endParaRPr lang="zh-CN" altLang="en-US"/>
-          </a:p>
-          <a:p>
-            <a:endParaRPr lang="zh-CN" altLang="en-US"/>
-          </a:p>
-          <a:p>
-            <a:r>
-              <a:rPr lang="zh-CN" altLang="en-US">
-                <a:sym typeface="+mn-ea"/>
-              </a:rPr>
-              <a:t>再比如：</a:t>
-            </a:r>
-            <a:endParaRPr lang="zh-CN" altLang="en-US"/>
-          </a:p>
-          <a:p>
-            <a:r>
-              <a:rPr lang="zh-CN" altLang="en-US">
-                <a:sym typeface="+mn-ea"/>
-              </a:rPr>
-              <a:t>提供行业90百分位的薪酬水平</a:t>
-            </a:r>
-            <a:endParaRPr lang="zh-CN" altLang="en-US"/>
-          </a:p>
-          <a:p>
-            <a:r>
-              <a:rPr lang="zh-CN" altLang="en-US">
-                <a:sym typeface="+mn-ea"/>
-              </a:rPr>
-              <a:t>表示在行业中该薪酬排名是处于前10%的位置</a:t>
-            </a:r>
-            <a:endParaRPr lang="zh-CN" altLang="en-US"/>
-          </a:p>
-          <a:p>
+              <a:rPr lang="en-US" altLang="zh-CN"/>
+              <a:t>X</a:t>
+            </a:r>
+            <a:r>
+              <a:rPr lang="zh-CN" altLang="en-US"/>
+              <a:t>轴是迭代步数；</a:t>
+            </a:r>
+            <a:endParaRPr lang="zh-CN" altLang="en-US"/>
+          </a:p>
+          <a:p>
+            <a:r>
+              <a:rPr lang="en-US" altLang="zh-CN"/>
+              <a:t>Y</a:t>
+            </a:r>
+            <a:r>
+              <a:rPr lang="zh-CN" altLang="en-US"/>
+              <a:t>轴是参数值；</a:t>
+            </a:r>
+            <a:endParaRPr lang="zh-CN" altLang="en-US"/>
+          </a:p>
+          <a:p>
+            <a:r>
+              <a:rPr lang="zh-CN" altLang="en-US"/>
+              <a:t>每条线表示数据分布的百分位数，例如，底线显示最小值随时间的变化趋势，中间的线显示中值变化的趋势。</a:t>
+            </a:r>
+            <a:endParaRPr lang="zh-CN" altLang="en-US"/>
+          </a:p>
+          <a:p>
+            <a:r>
+              <a:rPr lang="zh-CN" altLang="en-US"/>
+              <a:t>从上至下看时，各行具有以下含义：[最大值，93％，84％，69％，50％，31％，16％，7％，最小值]。</a:t>
+            </a:r>
+            <a:endParaRPr lang="zh-CN" altLang="en-US"/>
+          </a:p>
+          <a:p>
+            <a:r>
+              <a:rPr lang="zh-CN" altLang="en-US"/>
+              <a:t>这些百分位数也可以看作标准偏差的正态分布：[最大值，μ+1.5σ，μ+σ，μ+0.5σ，μ，μ-0.5σ，μ-σ，μ-1.5σ，最小值]，使得从内侧读到外侧的着色区域分别具有宽度[σ，2σ，3σ]</a:t>
+            </a:r>
             <a:endParaRPr lang="zh-CN" altLang="en-US"/>
           </a:p>
         </p:txBody>
@@ -796,89 +807,77 @@
           <a:bodyPr/>
           <a:p>
             <a:r>
-              <a:rPr lang="zh-CN" altLang="en-US"/>
-              <a:t>比如四分位差：</a:t>
-            </a:r>
-            <a:endParaRPr lang="zh-CN" altLang="en-US"/>
-          </a:p>
-          <a:p>
-            <a:r>
-              <a:rPr lang="zh-CN" altLang="en-US"/>
-              <a:t>将数据由低到高排序，然后分为</a:t>
-            </a:r>
-            <a:r>
-              <a:rPr lang="en-US" altLang="zh-CN"/>
-              <a:t>4</a:t>
-            </a:r>
-            <a:r>
-              <a:rPr lang="zh-CN" altLang="en-US"/>
-              <a:t>等分：</a:t>
-            </a:r>
-            <a:endParaRPr lang="zh-CN" altLang="en-US"/>
-          </a:p>
-          <a:p>
-            <a:r>
-              <a:rPr lang="en-US" altLang="zh-CN"/>
-              <a:t>25% | 25% | 25% | 25% |</a:t>
-            </a:r>
-            <a:endParaRPr lang="en-US" altLang="zh-CN"/>
-          </a:p>
-          <a:p>
-            <a:r>
-              <a:rPr lang="en-US" altLang="zh-CN"/>
-              <a:t>       Q1     Q2     Q3     Q4</a:t>
-            </a:r>
-            <a:endParaRPr lang="en-US" altLang="zh-CN"/>
-          </a:p>
-          <a:p>
-            <a:endParaRPr lang="en-US" altLang="zh-CN"/>
-          </a:p>
-          <a:p>
-            <a:r>
-              <a:rPr lang="zh-CN" altLang="en-US"/>
-              <a:t>第一个四份位置的值</a:t>
-            </a:r>
-            <a:r>
-              <a:rPr lang="en-US" altLang="zh-CN"/>
-              <a:t>Q1 </a:t>
-            </a:r>
-            <a:r>
-              <a:rPr lang="zh-CN" altLang="en-US"/>
-              <a:t>和 第三个四分位置的值</a:t>
-            </a:r>
-            <a:r>
-              <a:rPr lang="en-US" altLang="zh-CN"/>
-              <a:t>Q3</a:t>
-            </a:r>
-            <a:r>
-              <a:rPr lang="zh-CN" altLang="en-US"/>
-              <a:t>的差异，就是四分位差：</a:t>
-            </a:r>
-            <a:r>
-              <a:rPr lang="en-US" altLang="zh-CN"/>
-              <a:t>Q3 - Q1</a:t>
-            </a:r>
-            <a:endParaRPr lang="en-US" altLang="zh-CN"/>
-          </a:p>
-          <a:p>
-            <a:endParaRPr lang="en-US" altLang="zh-CN"/>
-          </a:p>
-          <a:p>
-            <a:r>
-              <a:rPr lang="zh-CN" altLang="en-US"/>
-              <a:t>反应了中间</a:t>
-            </a:r>
-            <a:r>
-              <a:rPr lang="en-US" altLang="zh-CN"/>
-              <a:t>50%</a:t>
-            </a:r>
-            <a:r>
-              <a:rPr lang="zh-CN" altLang="en-US"/>
-              <a:t>数据的离散程度。</a:t>
-            </a:r>
-            <a:endParaRPr lang="zh-CN" altLang="en-US"/>
-          </a:p>
-          <a:p>
+              <a:rPr lang="zh-CN" altLang="en-US">
+                <a:sym typeface="+mn-ea"/>
+              </a:rPr>
+              <a:t>比如：统计了2000个数据（比如对某次考试成绩的统计）,并且从高到低排序.</a:t>
+            </a:r>
+            <a:endParaRPr lang="zh-CN" altLang="en-US"/>
+          </a:p>
+          <a:p>
+            <a:r>
+              <a:rPr lang="zh-CN" altLang="en-US">
+                <a:sym typeface="+mn-ea"/>
+              </a:rPr>
+              <a:t>甲78分，排名1204，1204/2000＝60.2%</a:t>
+            </a:r>
+            <a:endParaRPr lang="zh-CN" altLang="en-US"/>
+          </a:p>
+          <a:p>
+            <a:r>
+              <a:rPr lang="zh-CN" altLang="en-US">
+                <a:sym typeface="+mn-ea"/>
+              </a:rPr>
+              <a:t>乙87分，排名69，69/2000＝3.45%</a:t>
+            </a:r>
+            <a:endParaRPr lang="zh-CN" altLang="en-US"/>
+          </a:p>
+          <a:p>
+            <a:r>
+              <a:rPr lang="zh-CN" altLang="en-US">
+                <a:sym typeface="+mn-ea"/>
+              </a:rPr>
+              <a:t>我们称78分在60.2%的位置上, 87分在3.45%的位置上.</a:t>
+            </a:r>
+            <a:endParaRPr lang="zh-CN" altLang="en-US"/>
+          </a:p>
+          <a:p>
+            <a:r>
+              <a:rPr lang="zh-CN" altLang="en-US">
+                <a:sym typeface="+mn-ea"/>
+              </a:rPr>
+              <a:t>即在60%的位置上约78分, 3.5%的位置上约87分.</a:t>
+            </a:r>
+            <a:endParaRPr lang="zh-CN" altLang="en-US"/>
+          </a:p>
+          <a:p>
+            <a:endParaRPr lang="zh-CN" altLang="en-US"/>
+          </a:p>
+          <a:p>
+            <a:r>
+              <a:rPr lang="zh-CN" altLang="en-US">
+                <a:sym typeface="+mn-ea"/>
+              </a:rPr>
+              <a:t>再比如：</a:t>
+            </a:r>
+            <a:endParaRPr lang="zh-CN" altLang="en-US"/>
+          </a:p>
+          <a:p>
+            <a:r>
+              <a:rPr lang="zh-CN" altLang="en-US">
+                <a:sym typeface="+mn-ea"/>
+              </a:rPr>
+              <a:t>提供行业90百分位的薪酬水平</a:t>
+            </a:r>
+            <a:endParaRPr lang="zh-CN" altLang="en-US"/>
+          </a:p>
+          <a:p>
+            <a:r>
+              <a:rPr lang="zh-CN" altLang="en-US">
+                <a:sym typeface="+mn-ea"/>
+              </a:rPr>
+              <a:t>表示在行业中该薪酬排名是处于前10%的位置</a:t>
+            </a:r>
             <a:endParaRPr lang="zh-CN" altLang="en-US"/>
           </a:p>
           <a:p>
@@ -926,63 +925,90 @@
         <p:txBody>
           <a:bodyPr/>
           <a:p>
-            <a:pPr marL="0" indent="0">
-              <a:buNone/>
-            </a:pPr>
-            <a:r>
-              <a:rPr lang="zh-CN" altLang="en-US">
-                <a:sym typeface="+mn-ea"/>
-              </a:rPr>
-              <a:t>在正态分布中σ代表标准差,μ代表均值，x=μ即为图像的对称轴，3σ原则：</a:t>
-            </a:r>
-            <a:endParaRPr lang="zh-CN" altLang="en-US"/>
-          </a:p>
-          <a:p>
-            <a:pPr marL="0" indent="0">
-              <a:buNone/>
-            </a:pPr>
-            <a:r>
-              <a:rPr lang="zh-CN" altLang="en-US">
-                <a:sym typeface="+mn-ea"/>
-              </a:rPr>
-              <a:t>数值分布在（μ-σ,μ+σ)中的概率为0.6827</a:t>
-            </a:r>
-            <a:endParaRPr lang="zh-CN" altLang="en-US"/>
-          </a:p>
-          <a:p>
-            <a:pPr marL="0" indent="0">
-              <a:buNone/>
-            </a:pPr>
-            <a:r>
-              <a:rPr lang="zh-CN" altLang="en-US">
-                <a:sym typeface="+mn-ea"/>
-              </a:rPr>
-              <a:t>数值分布在（μ-2σ,μ+2σ)中的概率为0.9545</a:t>
-            </a:r>
-            <a:endParaRPr lang="zh-CN" altLang="en-US"/>
-          </a:p>
-          <a:p>
-            <a:pPr marL="0" indent="0">
-              <a:buNone/>
-            </a:pPr>
-            <a:r>
-              <a:rPr lang="zh-CN" altLang="en-US">
-                <a:sym typeface="+mn-ea"/>
-              </a:rPr>
-              <a:t>数值分布在（μ-3σ,μ+3σ)中的概率为0.9973</a:t>
-            </a:r>
-            <a:endParaRPr lang="zh-CN" altLang="en-US"/>
-          </a:p>
-          <a:p>
-            <a:pPr marL="0" indent="0">
-              <a:buNone/>
-            </a:pPr>
-            <a:r>
-              <a:rPr lang="zh-CN" altLang="en-US">
-                <a:sym typeface="+mn-ea"/>
-              </a:rPr>
-              <a:t>可以认为，y的取值几乎全部集中在（μ-3σ,μ+3σ)区间内，超出这个范围的可能性仅占不到0.3%.</a:t>
-            </a:r>
+            <a:r>
+              <a:rPr lang="zh-CN" altLang="en-US"/>
+              <a:t>比如四分位差：</a:t>
+            </a:r>
+            <a:endParaRPr lang="zh-CN" altLang="en-US"/>
+          </a:p>
+          <a:p>
+            <a:r>
+              <a:rPr lang="zh-CN" altLang="en-US"/>
+              <a:t>将数据由低到高排序，然后分为</a:t>
+            </a:r>
+            <a:r>
+              <a:rPr lang="en-US" altLang="zh-CN"/>
+              <a:t>4</a:t>
+            </a:r>
+            <a:r>
+              <a:rPr lang="zh-CN" altLang="en-US"/>
+              <a:t>等分：</a:t>
+            </a:r>
+            <a:endParaRPr lang="zh-CN" altLang="en-US"/>
+          </a:p>
+          <a:p>
+            <a:r>
+              <a:rPr lang="en-US" altLang="zh-CN"/>
+              <a:t>25% | 25% | 25% | 25% |</a:t>
+            </a:r>
+            <a:endParaRPr lang="en-US" altLang="zh-CN"/>
+          </a:p>
+          <a:p>
+            <a:r>
+              <a:rPr lang="en-US" altLang="zh-CN"/>
+              <a:t>       Q1     Q2     Q3     Q4</a:t>
+            </a:r>
+            <a:endParaRPr lang="en-US" altLang="zh-CN"/>
+          </a:p>
+          <a:p>
+            <a:endParaRPr lang="en-US" altLang="zh-CN"/>
+          </a:p>
+          <a:p>
+            <a:r>
+              <a:rPr lang="zh-CN" altLang="en-US"/>
+              <a:t>第一个四份位置的值</a:t>
+            </a:r>
+            <a:r>
+              <a:rPr lang="en-US" altLang="zh-CN"/>
+              <a:t>Q1 </a:t>
+            </a:r>
+            <a:r>
+              <a:rPr lang="zh-CN" altLang="en-US"/>
+              <a:t>和 第三个四分位置的值</a:t>
+            </a:r>
+            <a:r>
+              <a:rPr lang="en-US" altLang="zh-CN"/>
+              <a:t>Q3</a:t>
+            </a:r>
+            <a:r>
+              <a:rPr lang="zh-CN" altLang="en-US"/>
+              <a:t>的差异，就是四分位差：</a:t>
+            </a:r>
+            <a:r>
+              <a:rPr lang="en-US" altLang="zh-CN"/>
+              <a:t>Q3 - Q1</a:t>
+            </a:r>
+            <a:endParaRPr lang="en-US" altLang="zh-CN"/>
+          </a:p>
+          <a:p>
+            <a:endParaRPr lang="en-US" altLang="zh-CN"/>
+          </a:p>
+          <a:p>
+            <a:r>
+              <a:rPr lang="zh-CN" altLang="en-US"/>
+              <a:t>反应了中间</a:t>
+            </a:r>
+            <a:r>
+              <a:rPr lang="en-US" altLang="zh-CN"/>
+              <a:t>50%</a:t>
+            </a:r>
+            <a:r>
+              <a:rPr lang="zh-CN" altLang="en-US"/>
+              <a:t>数据的离散程度。</a:t>
+            </a:r>
+            <a:endParaRPr lang="zh-CN" altLang="en-US"/>
+          </a:p>
+          <a:p>
             <a:endParaRPr lang="zh-CN" altLang="en-US"/>
           </a:p>
           <a:p>
@@ -1030,6 +1056,66 @@
         <p:txBody>
           <a:bodyPr/>
           <a:p>
+            <a:pPr marL="0" indent="0">
+              <a:buNone/>
+            </a:pPr>
+            <a:r>
+              <a:rPr lang="zh-CN" altLang="en-US">
+                <a:sym typeface="+mn-ea"/>
+              </a:rPr>
+              <a:t>在正态分布中σ代表标准差,μ代表均值，x=μ即为图像的对称轴，3σ原则：</a:t>
+            </a:r>
+            <a:endParaRPr lang="zh-CN" altLang="en-US"/>
+          </a:p>
+          <a:p>
+            <a:pPr marL="0" indent="0">
+              <a:buNone/>
+            </a:pPr>
+            <a:r>
+              <a:rPr lang="zh-CN" altLang="en-US">
+                <a:sym typeface="+mn-ea"/>
+              </a:rPr>
+              <a:t>数值分布在（μ-σ,μ+σ)中的概率为0.6827</a:t>
+            </a:r>
+            <a:endParaRPr lang="zh-CN" altLang="en-US"/>
+          </a:p>
+          <a:p>
+            <a:pPr marL="0" indent="0">
+              <a:buNone/>
+            </a:pPr>
+            <a:r>
+              <a:rPr lang="zh-CN" altLang="en-US">
+                <a:sym typeface="+mn-ea"/>
+              </a:rPr>
+              <a:t>数值分布在（μ-2σ,μ+2σ)中的概率为0.9545</a:t>
+            </a:r>
+            <a:endParaRPr lang="zh-CN" altLang="en-US"/>
+          </a:p>
+          <a:p>
+            <a:pPr marL="0" indent="0">
+              <a:buNone/>
+            </a:pPr>
+            <a:r>
+              <a:rPr lang="zh-CN" altLang="en-US">
+                <a:sym typeface="+mn-ea"/>
+              </a:rPr>
+              <a:t>数值分布在（μ-3σ,μ+3σ)中的概率为0.9973</a:t>
+            </a:r>
+            <a:endParaRPr lang="zh-CN" altLang="en-US"/>
+          </a:p>
+          <a:p>
+            <a:pPr marL="0" indent="0">
+              <a:buNone/>
+            </a:pPr>
+            <a:r>
+              <a:rPr lang="zh-CN" altLang="en-US">
+                <a:sym typeface="+mn-ea"/>
+              </a:rPr>
+              <a:t>可以认为，y的取值几乎全部集中在（μ-3σ,μ+3σ)区间内，超出这个范围的可能性仅占不到0.3%.</a:t>
+            </a:r>
+            <a:endParaRPr lang="zh-CN" altLang="en-US"/>
+          </a:p>
+          <a:p>
             <a:endParaRPr lang="zh-CN" altLang="en-US"/>
           </a:p>
         </p:txBody>
@@ -1118,6 +1204,541 @@
         <p:txBody>
           <a:bodyPr/>
           <a:p>
+            <a:r>
+              <a:rPr lang="zh-CN" altLang="en-US"/>
+              <a:t>可以看到误差反向传播和正向计算的数据流，正好相反。</a:t>
+            </a:r>
+            <a:endParaRPr lang="zh-CN" altLang="en-US"/>
+          </a:p>
+        </p:txBody>
+      </p:sp>
+    </p:spTree>
+  </p:cSld>
+  <p:clrMapOvr>
+    <a:masterClrMapping/>
+  </p:clrMapOvr>
+</p:notes>
+</file>
+
+<file path=ppt/notesSlides/notesSlide17.xml><?xml version="1.0" encoding="utf-8"?>
+<p:notes xmlns:a="http://schemas.openxmlformats.org/drawingml/2006/main" xmlns:r="http://schemas.openxmlformats.org/officeDocument/2006/relationships" xmlns:p="http://schemas.openxmlformats.org/presentationml/2006/main">
+  <p:cSld>
+    <p:spTree>
+      <p:nvGrpSpPr>
+        <p:cNvPr id="1" name=""/>
+        <p:cNvGrpSpPr/>
+        <p:nvPr/>
+      </p:nvGrpSpPr>
+      <p:grpSpPr/>
+      <p:sp>
+        <p:nvSpPr>
+          <p:cNvPr id="2" name="幻灯片图像占位符 1"/>
+          <p:cNvSpPr/>
+          <p:nvPr>
+            <p:ph type="sldImg" idx="2"/>
+          </p:nvPr>
+        </p:nvSpPr>
+        <p:spPr/>
+      </p:sp>
+      <p:sp>
+        <p:nvSpPr>
+          <p:cNvPr id="3" name="文本占位符 2"/>
+          <p:cNvSpPr/>
+          <p:nvPr>
+            <p:ph type="body" idx="3"/>
+          </p:nvPr>
+        </p:nvSpPr>
+        <p:spPr/>
+        <p:txBody>
+          <a:bodyPr/>
+          <a:p>
+            <a:r>
+              <a:rPr lang="zh-CN" altLang="en-US"/>
+              <a:t>tensorflow/python/training</a:t>
+            </a:r>
+            <a:r>
+              <a:rPr lang="en-US" altLang="zh-CN"/>
+              <a:t>/optimizer.py</a:t>
+            </a:r>
+            <a:endParaRPr lang="en-US" altLang="zh-CN"/>
+          </a:p>
+          <a:p>
+            <a:endParaRPr lang="en-US" altLang="zh-CN"/>
+          </a:p>
+          <a:p>
+            <a:r>
+              <a:rPr lang="en-US" altLang="zh-CN"/>
+              <a:t>  1.  Compute the gradients with `compute_gradients()`.</a:t>
+            </a:r>
+            <a:endParaRPr lang="en-US" altLang="zh-CN"/>
+          </a:p>
+          <a:p>
+            <a:r>
+              <a:rPr lang="en-US" altLang="zh-CN"/>
+              <a:t>  2.  Process the gradients as you wish.</a:t>
+            </a:r>
+            <a:endParaRPr lang="en-US" altLang="zh-CN"/>
+          </a:p>
+          <a:p>
+            <a:r>
+              <a:rPr lang="en-US" altLang="zh-CN"/>
+              <a:t>  3.  Apply the processed gradients with `apply_gradients()`.</a:t>
+            </a:r>
+            <a:endParaRPr lang="en-US" altLang="zh-CN"/>
+          </a:p>
+          <a:p>
+            <a:endParaRPr lang="en-US" altLang="zh-CN"/>
+          </a:p>
+          <a:p>
+            <a:r>
+              <a:rPr lang="en-US" altLang="zh-CN"/>
+              <a:t>  Example:</a:t>
+            </a:r>
+            <a:endParaRPr lang="en-US" altLang="zh-CN"/>
+          </a:p>
+          <a:p>
+            <a:endParaRPr lang="en-US" altLang="zh-CN"/>
+          </a:p>
+          <a:p>
+            <a:r>
+              <a:rPr lang="en-US" altLang="zh-CN"/>
+              <a:t>  ```python</a:t>
+            </a:r>
+            <a:endParaRPr lang="en-US" altLang="zh-CN"/>
+          </a:p>
+          <a:p>
+            <a:r>
+              <a:rPr lang="en-US" altLang="zh-CN"/>
+              <a:t>  # Create an optimizer.</a:t>
+            </a:r>
+            <a:endParaRPr lang="en-US" altLang="zh-CN"/>
+          </a:p>
+          <a:p>
+            <a:r>
+              <a:rPr lang="en-US" altLang="zh-CN"/>
+              <a:t>  opt = GradientDescentOptimizer(learning_rate=0.1)</a:t>
+            </a:r>
+            <a:endParaRPr lang="en-US" altLang="zh-CN"/>
+          </a:p>
+          <a:p>
+            <a:endParaRPr lang="en-US" altLang="zh-CN"/>
+          </a:p>
+          <a:p>
+            <a:r>
+              <a:rPr lang="en-US" altLang="zh-CN"/>
+              <a:t>  # Compute the gradients for a list of variables.</a:t>
+            </a:r>
+            <a:endParaRPr lang="en-US" altLang="zh-CN"/>
+          </a:p>
+          <a:p>
+            <a:r>
+              <a:rPr lang="en-US" altLang="zh-CN"/>
+              <a:t>  grads_and_vars = opt.compute_gradients(loss, &lt;list of variables&gt;)</a:t>
+            </a:r>
+            <a:endParaRPr lang="en-US" altLang="zh-CN"/>
+          </a:p>
+          <a:p>
+            <a:endParaRPr lang="en-US" altLang="zh-CN"/>
+          </a:p>
+          <a:p>
+            <a:r>
+              <a:rPr lang="en-US" altLang="zh-CN"/>
+              <a:t>  # grads_and_vars is a list of tuples (gradient, variable).  Do whatever you</a:t>
+            </a:r>
+            <a:endParaRPr lang="en-US" altLang="zh-CN"/>
+          </a:p>
+          <a:p>
+            <a:r>
+              <a:rPr lang="en-US" altLang="zh-CN"/>
+              <a:t>  # need to the 'gradient' part, for example cap them, etc.</a:t>
+            </a:r>
+            <a:endParaRPr lang="en-US" altLang="zh-CN"/>
+          </a:p>
+          <a:p>
+            <a:r>
+              <a:rPr lang="en-US" altLang="zh-CN"/>
+              <a:t>  capped_grads_and_vars = [(MyCapper(gv[0]), gv[1]) for gv in grads_and_vars]</a:t>
+            </a:r>
+            <a:endParaRPr lang="en-US" altLang="zh-CN"/>
+          </a:p>
+          <a:p>
+            <a:endParaRPr lang="en-US" altLang="zh-CN"/>
+          </a:p>
+          <a:p>
+            <a:r>
+              <a:rPr lang="en-US" altLang="zh-CN"/>
+              <a:t>  # Ask the optimizer to apply the capped gradients.</a:t>
+            </a:r>
+            <a:endParaRPr lang="en-US" altLang="zh-CN"/>
+          </a:p>
+          <a:p>
+            <a:r>
+              <a:rPr lang="en-US" altLang="zh-CN"/>
+              <a:t>  opt.apply_gradients(capped_grads_and_vars)</a:t>
+            </a:r>
+            <a:endParaRPr lang="en-US" altLang="zh-CN"/>
+          </a:p>
+          <a:p>
+            <a:r>
+              <a:rPr lang="en-US" altLang="zh-CN"/>
+              <a:t>  ```</a:t>
+            </a:r>
+            <a:endParaRPr lang="en-US" altLang="zh-CN"/>
+          </a:p>
+          <a:p>
+            <a:endParaRPr lang="en-US" altLang="zh-CN"/>
+          </a:p>
+          <a:p>
+            <a:r>
+              <a:rPr lang="en-US" altLang="zh-CN">
+                <a:sym typeface="+mn-ea"/>
+              </a:rPr>
+              <a:t>minimize </a:t>
+            </a:r>
+            <a:r>
+              <a:rPr lang="zh-CN" altLang="en-US">
+                <a:sym typeface="+mn-ea"/>
+              </a:rPr>
+              <a:t>函数的实现如下：</a:t>
+            </a:r>
+            <a:endParaRPr lang="zh-CN" altLang="en-US">
+              <a:sym typeface="+mn-ea"/>
+            </a:endParaRPr>
+          </a:p>
+          <a:p>
+            <a:r>
+              <a:rPr lang="en-US" altLang="zh-CN"/>
+              <a:t>  def minimize(self, loss, global_step=None, var_list=None,</a:t>
+            </a:r>
+            <a:endParaRPr lang="en-US" altLang="zh-CN"/>
+          </a:p>
+          <a:p>
+            <a:r>
+              <a:rPr lang="en-US" altLang="zh-CN"/>
+              <a:t>               gate_gradients=GATE_OP, aggregation_method=None,</a:t>
+            </a:r>
+            <a:endParaRPr lang="en-US" altLang="zh-CN"/>
+          </a:p>
+          <a:p>
+            <a:r>
+              <a:rPr lang="en-US" altLang="zh-CN"/>
+              <a:t>               colocate_gradients_with_ops=False, name=None,</a:t>
+            </a:r>
+            <a:endParaRPr lang="en-US" altLang="zh-CN"/>
+          </a:p>
+          <a:p>
+            <a:r>
+              <a:rPr lang="en-US" altLang="zh-CN"/>
+              <a:t>               grad_loss=None):</a:t>
+            </a:r>
+            <a:endParaRPr lang="en-US" altLang="zh-CN"/>
+          </a:p>
+          <a:p>
+            <a:endParaRPr lang="en-US" altLang="zh-CN"/>
+          </a:p>
+          <a:p>
+            <a:r>
+              <a:rPr lang="en-US" altLang="zh-CN"/>
+              <a:t>    grads_and_vars = self.compute_gradients(</a:t>
+            </a:r>
+            <a:endParaRPr lang="en-US" altLang="zh-CN"/>
+          </a:p>
+          <a:p>
+            <a:r>
+              <a:rPr lang="en-US" altLang="zh-CN"/>
+              <a:t>        loss, var_list=var_list, gate_gradients=gate_gradients,</a:t>
+            </a:r>
+            <a:endParaRPr lang="en-US" altLang="zh-CN"/>
+          </a:p>
+          <a:p>
+            <a:r>
+              <a:rPr lang="en-US" altLang="zh-CN"/>
+              <a:t>        aggregation_method=aggregation_method,</a:t>
+            </a:r>
+            <a:endParaRPr lang="en-US" altLang="zh-CN"/>
+          </a:p>
+          <a:p>
+            <a:r>
+              <a:rPr lang="en-US" altLang="zh-CN"/>
+              <a:t>        colocate_gradients_with_ops=colocate_gradients_with_ops,</a:t>
+            </a:r>
+            <a:endParaRPr lang="en-US" altLang="zh-CN"/>
+          </a:p>
+          <a:p>
+            <a:r>
+              <a:rPr lang="en-US" altLang="zh-CN"/>
+              <a:t>        grad_loss=grad_loss)</a:t>
+            </a:r>
+            <a:endParaRPr lang="en-US" altLang="zh-CN"/>
+          </a:p>
+          <a:p>
+            <a:endParaRPr lang="en-US" altLang="zh-CN"/>
+          </a:p>
+          <a:p>
+            <a:r>
+              <a:rPr lang="en-US" altLang="zh-CN"/>
+              <a:t>    vars_with_grad = [v for g, v in grads_and_vars if g is not None]</a:t>
+            </a:r>
+            <a:endParaRPr lang="en-US" altLang="zh-CN"/>
+          </a:p>
+          <a:p>
+            <a:r>
+              <a:rPr lang="en-US" altLang="zh-CN"/>
+              <a:t>    if not vars_with_grad:</a:t>
+            </a:r>
+            <a:endParaRPr lang="en-US" altLang="zh-CN"/>
+          </a:p>
+          <a:p>
+            <a:r>
+              <a:rPr lang="en-US" altLang="zh-CN"/>
+              <a:t>      raise ValueError(</a:t>
+            </a:r>
+            <a:endParaRPr lang="en-US" altLang="zh-CN"/>
+          </a:p>
+          <a:p>
+            <a:r>
+              <a:rPr lang="en-US" altLang="zh-CN"/>
+              <a:t>          "No gradients provided for any variable, check your graph for ops"</a:t>
+            </a:r>
+            <a:endParaRPr lang="en-US" altLang="zh-CN"/>
+          </a:p>
+          <a:p>
+            <a:r>
+              <a:rPr lang="en-US" altLang="zh-CN"/>
+              <a:t>          " that do not support gradients, between variables %s and loss %s." %</a:t>
+            </a:r>
+            <a:endParaRPr lang="en-US" altLang="zh-CN"/>
+          </a:p>
+          <a:p>
+            <a:r>
+              <a:rPr lang="en-US" altLang="zh-CN"/>
+              <a:t>          ([str(v) for _, v in grads_and_vars], loss))</a:t>
+            </a:r>
+            <a:endParaRPr lang="en-US" altLang="zh-CN"/>
+          </a:p>
+          <a:p>
+            <a:endParaRPr lang="en-US" altLang="zh-CN"/>
+          </a:p>
+          <a:p>
+            <a:r>
+              <a:rPr lang="en-US" altLang="zh-CN"/>
+              <a:t>    return self.apply_gradients(grads_and_vars, global_step=global_step,</a:t>
+            </a:r>
+            <a:endParaRPr lang="en-US" altLang="zh-CN"/>
+          </a:p>
+          <a:p>
+            <a:r>
+              <a:rPr lang="en-US" altLang="zh-CN"/>
+              <a:t>                                name=name)</a:t>
+            </a:r>
+            <a:br>
+              <a:rPr lang="en-US" altLang="zh-CN"/>
+            </a:br>
+            <a:endParaRPr lang="en-US" altLang="zh-CN"/>
+          </a:p>
+          <a:p>
+            <a:endParaRPr lang="en-US" altLang="zh-CN"/>
+          </a:p>
+          <a:p>
+            <a:endParaRPr lang="en-US" altLang="zh-CN"/>
+          </a:p>
+        </p:txBody>
+      </p:sp>
+    </p:spTree>
+  </p:cSld>
+  <p:clrMapOvr>
+    <a:masterClrMapping/>
+  </p:clrMapOvr>
+</p:notes>
+</file>
+
+<file path=ppt/notesSlides/notesSlide18.xml><?xml version="1.0" encoding="utf-8"?>
+<p:notes xmlns:a="http://schemas.openxmlformats.org/drawingml/2006/main" xmlns:r="http://schemas.openxmlformats.org/officeDocument/2006/relationships" xmlns:p="http://schemas.openxmlformats.org/presentationml/2006/main">
+  <p:cSld>
+    <p:spTree>
+      <p:nvGrpSpPr>
+        <p:cNvPr id="1" name=""/>
+        <p:cNvGrpSpPr/>
+        <p:nvPr/>
+      </p:nvGrpSpPr>
+      <p:grpSpPr/>
+      <p:sp>
+        <p:nvSpPr>
+          <p:cNvPr id="2" name="幻灯片图像占位符 1"/>
+          <p:cNvSpPr/>
+          <p:nvPr>
+            <p:ph type="sldImg" idx="2"/>
+          </p:nvPr>
+        </p:nvSpPr>
+        <p:spPr/>
+      </p:sp>
+      <p:sp>
+        <p:nvSpPr>
+          <p:cNvPr id="3" name="文本占位符 2"/>
+          <p:cNvSpPr/>
+          <p:nvPr>
+            <p:ph type="body" idx="3"/>
+          </p:nvPr>
+        </p:nvSpPr>
+        <p:spPr/>
+        <p:txBody>
+          <a:bodyPr/>
+          <a:p>
+            <a:r>
+              <a:rPr lang="zh-CN" altLang="en-US"/>
+              <a:t>tensorflow/python</a:t>
+            </a:r>
+            <a:r>
+              <a:rPr lang="en-US" altLang="zh-CN"/>
+              <a:t>/ops/math_grad.py</a:t>
+            </a:r>
+            <a:endParaRPr lang="en-US" altLang="zh-CN"/>
+          </a:p>
+          <a:p>
+            <a:endParaRPr lang="en-US" altLang="zh-CN"/>
+          </a:p>
+          <a:p>
+            <a:r>
+              <a:rPr lang="en-US" altLang="zh-CN"/>
+              <a:t>@ops.RegisterGradient("Add")</a:t>
+            </a:r>
+            <a:endParaRPr lang="en-US" altLang="zh-CN"/>
+          </a:p>
+          <a:p>
+            <a:r>
+              <a:rPr lang="en-US" altLang="zh-CN"/>
+              <a:t>def _AddGrad(op, grad):</a:t>
+            </a:r>
+            <a:endParaRPr lang="en-US" altLang="zh-CN"/>
+          </a:p>
+          <a:p>
+            <a:r>
+              <a:rPr lang="en-US" altLang="zh-CN"/>
+              <a:t>  """Gradient for Add."""</a:t>
+            </a:r>
+            <a:endParaRPr lang="en-US" altLang="zh-CN"/>
+          </a:p>
+          <a:p>
+            <a:r>
+              <a:rPr lang="en-US" altLang="zh-CN"/>
+              <a:t>  x = op.inputs[0]</a:t>
+            </a:r>
+            <a:endParaRPr lang="en-US" altLang="zh-CN"/>
+          </a:p>
+          <a:p>
+            <a:r>
+              <a:rPr lang="en-US" altLang="zh-CN"/>
+              <a:t>  y = op.inputs[1]</a:t>
+            </a:r>
+            <a:endParaRPr lang="en-US" altLang="zh-CN"/>
+          </a:p>
+          <a:p>
+            <a:r>
+              <a:rPr lang="en-US" altLang="zh-CN"/>
+              <a:t>  if (isinstance(grad, ops.Tensor) and</a:t>
+            </a:r>
+            <a:endParaRPr lang="en-US" altLang="zh-CN"/>
+          </a:p>
+          <a:p>
+            <a:r>
+              <a:rPr lang="en-US" altLang="zh-CN"/>
+              <a:t>      _ShapesFullySpecifiedAndEqual(x, y, grad)):</a:t>
+            </a:r>
+            <a:endParaRPr lang="en-US" altLang="zh-CN"/>
+          </a:p>
+          <a:p>
+            <a:r>
+              <a:rPr lang="en-US" altLang="zh-CN"/>
+              <a:t>    return grad, grad</a:t>
+            </a:r>
+            <a:endParaRPr lang="en-US" altLang="zh-CN"/>
+          </a:p>
+          <a:p>
+            <a:r>
+              <a:rPr lang="en-US" altLang="zh-CN"/>
+              <a:t>  sx = array_ops.shape(x)</a:t>
+            </a:r>
+            <a:endParaRPr lang="en-US" altLang="zh-CN"/>
+          </a:p>
+          <a:p>
+            <a:r>
+              <a:rPr lang="en-US" altLang="zh-CN"/>
+              <a:t>  sy = array_ops.shape(y)</a:t>
+            </a:r>
+            <a:endParaRPr lang="en-US" altLang="zh-CN"/>
+          </a:p>
+          <a:p>
+            <a:r>
+              <a:rPr lang="en-US" altLang="zh-CN"/>
+              <a:t>  rx, ry = gen_array_ops.broadcast_gradient_args(sx, sy)</a:t>
+            </a:r>
+            <a:endParaRPr lang="en-US" altLang="zh-CN"/>
+          </a:p>
+          <a:p>
+            <a:r>
+              <a:rPr lang="en-US" altLang="zh-CN"/>
+              <a:t>  return (array_ops.reshape(math_ops.reduce_sum(grad, rx), sx),</a:t>
+            </a:r>
+            <a:endParaRPr lang="en-US" altLang="zh-CN"/>
+          </a:p>
+          <a:p>
+            <a:r>
+              <a:rPr lang="en-US" altLang="zh-CN"/>
+              <a:t>          array_ops.reshape(math_ops.reduce_sum(grad, ry), sy))</a:t>
+            </a:r>
+            <a:endParaRPr lang="en-US" altLang="zh-CN"/>
+          </a:p>
+          <a:p>
+            <a:endParaRPr lang="en-US" altLang="zh-CN"/>
+          </a:p>
+          <a:p>
+            <a:endParaRPr lang="en-US" altLang="zh-CN"/>
+          </a:p>
+          <a:p>
+            <a:endParaRPr lang="en-US" altLang="zh-CN"/>
+          </a:p>
+        </p:txBody>
+      </p:sp>
+    </p:spTree>
+  </p:cSld>
+  <p:clrMapOvr>
+    <a:masterClrMapping/>
+  </p:clrMapOvr>
+</p:notes>
+</file>
+
+<file path=ppt/notesSlides/notesSlide19.xml><?xml version="1.0" encoding="utf-8"?>
+<p:notes xmlns:a="http://schemas.openxmlformats.org/drawingml/2006/main" xmlns:r="http://schemas.openxmlformats.org/officeDocument/2006/relationships" xmlns:p="http://schemas.openxmlformats.org/presentationml/2006/main">
+  <p:cSld>
+    <p:spTree>
+      <p:nvGrpSpPr>
+        <p:cNvPr id="1" name=""/>
+        <p:cNvGrpSpPr/>
+        <p:nvPr/>
+      </p:nvGrpSpPr>
+      <p:grpSpPr/>
+      <p:sp>
+        <p:nvSpPr>
+          <p:cNvPr id="2" name="幻灯片图像占位符 1"/>
+          <p:cNvSpPr/>
+          <p:nvPr>
+            <p:ph type="sldImg" idx="2"/>
+          </p:nvPr>
+        </p:nvSpPr>
+        <p:spPr/>
+      </p:sp>
+      <p:sp>
+        <p:nvSpPr>
+          <p:cNvPr id="3" name="文本占位符 2"/>
+          <p:cNvSpPr/>
+          <p:nvPr>
+            <p:ph type="body" idx="3"/>
+          </p:nvPr>
+        </p:nvSpPr>
+        <p:spPr/>
+        <p:txBody>
+          <a:bodyPr/>
+          <a:p>
             <a:endParaRPr lang="zh-CN" altLang="en-US"/>
           </a:p>
         </p:txBody>
@@ -1162,6 +1783,136 @@
         <p:txBody>
           <a:bodyPr/>
           <a:p>
+            <a:r>
+              <a:rPr lang="zh-CN" altLang="en-US"/>
+              <a:t>在第二步启动</a:t>
+            </a:r>
+            <a:r>
+              <a:rPr lang="en-US" altLang="zh-CN"/>
+              <a:t>TensorBoard</a:t>
+            </a:r>
+            <a:r>
+              <a:rPr lang="zh-CN" altLang="en-US"/>
+              <a:t>之前，需要先运行这个</a:t>
+            </a:r>
+            <a:r>
+              <a:rPr lang="en-US" altLang="zh-CN"/>
+              <a:t>demo</a:t>
+            </a:r>
+            <a:r>
+              <a:rPr lang="zh-CN" altLang="en-US"/>
+              <a:t>程序，以便于在</a:t>
+            </a:r>
+            <a:r>
+              <a:rPr lang="en-US" altLang="zh-CN"/>
+              <a:t>logdir</a:t>
+            </a:r>
+            <a:r>
+              <a:rPr lang="zh-CN" altLang="en-US"/>
+              <a:t>目录下</a:t>
+            </a:r>
+            <a:r>
+              <a:rPr lang="zh-CN" altLang="en-US">
+                <a:sym typeface="+mn-ea"/>
+              </a:rPr>
+              <a:t>生成</a:t>
+            </a:r>
+            <a:r>
+              <a:rPr lang="en-US" altLang="zh-CN"/>
+              <a:t>TensorBoard</a:t>
+            </a:r>
+            <a:r>
+              <a:rPr lang="zh-CN" altLang="en-US"/>
+              <a:t>所需要的数据。</a:t>
+            </a:r>
+            <a:endParaRPr lang="zh-CN" altLang="en-US"/>
+          </a:p>
+        </p:txBody>
+      </p:sp>
+    </p:spTree>
+  </p:cSld>
+  <p:clrMapOvr>
+    <a:masterClrMapping/>
+  </p:clrMapOvr>
+</p:notes>
+</file>
+
+<file path=ppt/notesSlides/notesSlide20.xml><?xml version="1.0" encoding="utf-8"?>
+<p:notes xmlns:a="http://schemas.openxmlformats.org/drawingml/2006/main" xmlns:r="http://schemas.openxmlformats.org/officeDocument/2006/relationships" xmlns:p="http://schemas.openxmlformats.org/presentationml/2006/main">
+  <p:cSld>
+    <p:spTree>
+      <p:nvGrpSpPr>
+        <p:cNvPr id="1" name=""/>
+        <p:cNvGrpSpPr/>
+        <p:nvPr/>
+      </p:nvGrpSpPr>
+      <p:grpSpPr/>
+      <p:sp>
+        <p:nvSpPr>
+          <p:cNvPr id="2" name="幻灯片图像占位符 1"/>
+          <p:cNvSpPr/>
+          <p:nvPr>
+            <p:ph type="sldImg" idx="2"/>
+          </p:nvPr>
+        </p:nvSpPr>
+        <p:spPr/>
+      </p:sp>
+      <p:sp>
+        <p:nvSpPr>
+          <p:cNvPr id="3" name="文本占位符 2"/>
+          <p:cNvSpPr/>
+          <p:nvPr>
+            <p:ph type="body" idx="3"/>
+          </p:nvPr>
+        </p:nvSpPr>
+        <p:spPr/>
+        <p:txBody>
+          <a:bodyPr/>
+          <a:p>
+            <a:endParaRPr lang="zh-CN" altLang="en-US"/>
+          </a:p>
+        </p:txBody>
+      </p:sp>
+    </p:spTree>
+  </p:cSld>
+  <p:clrMapOvr>
+    <a:masterClrMapping/>
+  </p:clrMapOvr>
+</p:notes>
+</file>
+
+<file path=ppt/notesSlides/notesSlide21.xml><?xml version="1.0" encoding="utf-8"?>
+<p:notes xmlns:a="http://schemas.openxmlformats.org/drawingml/2006/main" xmlns:r="http://schemas.openxmlformats.org/officeDocument/2006/relationships" xmlns:p="http://schemas.openxmlformats.org/presentationml/2006/main">
+  <p:cSld>
+    <p:spTree>
+      <p:nvGrpSpPr>
+        <p:cNvPr id="1" name=""/>
+        <p:cNvGrpSpPr/>
+        <p:nvPr/>
+      </p:nvGrpSpPr>
+      <p:grpSpPr/>
+      <p:sp>
+        <p:nvSpPr>
+          <p:cNvPr id="2" name="幻灯片图像占位符 1"/>
+          <p:cNvSpPr/>
+          <p:nvPr>
+            <p:ph type="sldImg" idx="2"/>
+          </p:nvPr>
+        </p:nvSpPr>
+        <p:spPr/>
+      </p:sp>
+      <p:sp>
+        <p:nvSpPr>
+          <p:cNvPr id="3" name="文本占位符 2"/>
+          <p:cNvSpPr/>
+          <p:nvPr>
+            <p:ph type="body" idx="3"/>
+          </p:nvPr>
+        </p:nvSpPr>
+        <p:spPr/>
+        <p:txBody>
+          <a:bodyPr/>
+          <a:p>
             <a:endParaRPr lang="zh-CN" altLang="en-US"/>
           </a:p>
         </p:txBody>
@@ -1206,6 +1957,23 @@
         <p:txBody>
           <a:bodyPr/>
           <a:p>
+            <a:r>
+              <a:rPr lang="zh-CN" altLang="en-US"/>
+              <a:t>方法来自于：</a:t>
+            </a:r>
+            <a:endParaRPr lang="zh-CN" altLang="en-US"/>
+          </a:p>
+          <a:p>
+            <a:r>
+              <a:rPr lang="zh-CN" altLang="en-US"/>
+              <a:t>https://stackoverflow.com/questions/37987839/how-can-i-run-tensorboard-on-a-remote-server</a:t>
+            </a:r>
+            <a:endParaRPr lang="zh-CN" altLang="en-US"/>
+          </a:p>
+          <a:p>
+            <a:endParaRPr lang="zh-CN" altLang="en-US"/>
+          </a:p>
+          <a:p>
             <a:endParaRPr lang="zh-CN" altLang="en-US"/>
           </a:p>
         </p:txBody>
@@ -1250,99 +2018,6 @@
         <p:txBody>
           <a:bodyPr/>
           <a:p>
-            <a:r>
-              <a:rPr lang="zh-CN" altLang="en-US"/>
-              <a:t>通过如下代码片段，可以把输入的图片显示出来：</a:t>
-            </a:r>
-            <a:endParaRPr lang="zh-CN" altLang="en-US"/>
-          </a:p>
-          <a:p>
-            <a:endParaRPr lang="zh-CN" altLang="en-US"/>
-          </a:p>
-          <a:p>
-            <a:r>
-              <a:rPr lang="en-US" altLang="zh-CN"/>
-              <a:t>#</a:t>
-            </a:r>
-            <a:r>
-              <a:rPr lang="zh-CN" altLang="en-US"/>
-              <a:t>设置名字作用域</a:t>
-            </a:r>
-            <a:endParaRPr lang="zh-CN" altLang="en-US"/>
-          </a:p>
-          <a:p>
-            <a:r>
-              <a:rPr lang="zh-CN" altLang="en-US"/>
-              <a:t>with tf.name_scope('input_reshape'):</a:t>
-            </a:r>
-            <a:endParaRPr lang="zh-CN" altLang="en-US"/>
-          </a:p>
-          <a:p>
-            <a:r>
-              <a:rPr lang="zh-CN" altLang="en-US"/>
-              <a:t>    </a:t>
-            </a:r>
-            <a:r>
-              <a:rPr lang="en-US" altLang="zh-CN"/>
-              <a:t>#</a:t>
-            </a:r>
-            <a:r>
-              <a:rPr lang="zh-CN" altLang="en-US"/>
-              <a:t>把输入图像</a:t>
-            </a:r>
-            <a:r>
-              <a:rPr lang="en-US" altLang="zh-CN"/>
-              <a:t>X</a:t>
-            </a:r>
-            <a:r>
-              <a:rPr lang="zh-CN" altLang="en-US"/>
-              <a:t>转化为四阶张量</a:t>
-            </a:r>
-            <a:endParaRPr lang="zh-CN" altLang="en-US"/>
-          </a:p>
-          <a:p>
-            <a:r>
-              <a:rPr lang="zh-CN" altLang="en-US"/>
-              <a:t>    image_shaped_input = tf.reshape(x, [-1, 28, 28, 1])</a:t>
-            </a:r>
-            <a:endParaRPr lang="zh-CN" altLang="en-US"/>
-          </a:p>
-          <a:p>
-            <a:r>
-              <a:rPr lang="zh-CN" altLang="en-US"/>
-              <a:t>    </a:t>
-            </a:r>
-            <a:r>
-              <a:rPr lang="en-US" altLang="zh-CN"/>
-              <a:t>#</a:t>
-            </a:r>
-            <a:r>
-              <a:rPr lang="zh-CN" altLang="en-US"/>
-              <a:t>获取</a:t>
-            </a:r>
-            <a:r>
-              <a:rPr lang="en-US" altLang="zh-CN"/>
-              <a:t>img</a:t>
-            </a:r>
-            <a:r>
-              <a:rPr lang="zh-CN" altLang="en-US"/>
-              <a:t>汇总操作，设置最大生成</a:t>
-            </a:r>
-            <a:r>
-              <a:rPr lang="en-US" altLang="zh-CN"/>
-              <a:t>10</a:t>
-            </a:r>
-            <a:r>
-              <a:rPr lang="zh-CN" altLang="en-US"/>
-              <a:t>张图像</a:t>
-            </a:r>
-            <a:endParaRPr lang="zh-CN" altLang="en-US"/>
-          </a:p>
-          <a:p>
-            <a:r>
-              <a:rPr lang="zh-CN" altLang="en-US"/>
-              <a:t>    tf.summary.image('input', image_shaped_input, 10)</a:t>
-            </a:r>
             <a:endParaRPr lang="zh-CN" altLang="en-US"/>
           </a:p>
         </p:txBody>
@@ -1387,127 +2062,9 @@
         <p:txBody>
           <a:bodyPr/>
           <a:p>
-            <a:endParaRPr lang="zh-CN" altLang="en-US"/>
-          </a:p>
-          <a:p>
-            <a:r>
-              <a:rPr lang="zh-CN" altLang="en-US"/>
-              <a:t>嵌入变量</a:t>
-            </a:r>
-            <a:r>
-              <a:rPr lang="en-US" altLang="zh-CN"/>
-              <a:t>-----</a:t>
-            </a:r>
-            <a:r>
-              <a:rPr lang="zh-CN" altLang="en-US"/>
-              <a:t>》写入</a:t>
-            </a:r>
-            <a:r>
-              <a:rPr lang="en-US" altLang="zh-CN"/>
-              <a:t>---</a:t>
-            </a:r>
-            <a:r>
-              <a:rPr lang="zh-CN" altLang="en-US"/>
-              <a:t>》</a:t>
-            </a:r>
-            <a:r>
-              <a:rPr lang="en-US" altLang="zh-CN"/>
-              <a:t>checkpoint</a:t>
-            </a:r>
-            <a:r>
-              <a:rPr lang="zh-CN" altLang="en-US"/>
-              <a:t>文件</a:t>
-            </a:r>
-            <a:endParaRPr lang="zh-CN" altLang="en-US"/>
-          </a:p>
-          <a:p>
-            <a:r>
-              <a:rPr lang="zh-CN" altLang="en-US"/>
-              <a:t>嵌入变量元数据</a:t>
-            </a:r>
-            <a:r>
-              <a:rPr lang="en-US" altLang="zh-CN"/>
-              <a:t>----</a:t>
-            </a:r>
-            <a:r>
-              <a:rPr lang="zh-CN" altLang="en-US"/>
-              <a:t>》写入</a:t>
-            </a:r>
-            <a:r>
-              <a:rPr lang="en-US" altLang="zh-CN"/>
-              <a:t>---</a:t>
-            </a:r>
-            <a:r>
-              <a:rPr lang="zh-CN" altLang="en-US"/>
-              <a:t>》元数据文件</a:t>
-            </a:r>
-            <a:endParaRPr lang="zh-CN" altLang="en-US"/>
-          </a:p>
-          <a:p>
-            <a:r>
-              <a:rPr lang="zh-CN" altLang="en-US"/>
-              <a:t>投影配置参数</a:t>
-            </a:r>
-            <a:r>
-              <a:rPr lang="en-US" altLang="zh-CN"/>
-              <a:t>----</a:t>
-            </a:r>
-            <a:r>
-              <a:rPr lang="zh-CN" altLang="en-US"/>
-              <a:t>》写入</a:t>
-            </a:r>
-            <a:r>
-              <a:rPr lang="en-US" altLang="zh-CN"/>
-              <a:t>---</a:t>
-            </a:r>
-            <a:r>
-              <a:rPr lang="zh-CN" altLang="en-US"/>
-              <a:t>》投影配置文件</a:t>
-            </a:r>
-            <a:endParaRPr lang="zh-CN" altLang="en-US"/>
-          </a:p>
-          <a:p>
-            <a:endParaRPr lang="zh-CN" altLang="en-US"/>
-          </a:p>
-          <a:p>
-            <a:r>
-              <a:rPr lang="en-US" altLang="zh-CN"/>
-              <a:t>====</a:t>
-            </a:r>
-            <a:r>
-              <a:rPr lang="zh-CN" altLang="en-US"/>
-              <a:t>》</a:t>
-            </a:r>
-            <a:r>
-              <a:rPr lang="en-US" altLang="zh-CN"/>
-              <a:t>TensorBoard</a:t>
-            </a:r>
-            <a:r>
-              <a:rPr lang="zh-CN" altLang="en-US"/>
-              <a:t>启动的时候，加载上述三个文件，可视化高纬数据</a:t>
-            </a:r>
-            <a:endParaRPr lang="zh-CN" altLang="en-US"/>
-          </a:p>
-          <a:p>
-            <a:endParaRPr lang="zh-CN" altLang="en-US"/>
-          </a:p>
-          <a:p>
-            <a:endParaRPr lang="zh-CN" altLang="en-US"/>
-          </a:p>
-          <a:p>
-            <a:r>
-              <a:rPr lang="zh-CN" altLang="en-US"/>
-              <a:t>调用</a:t>
-            </a:r>
-            <a:r>
-              <a:rPr lang="zh-CN" altLang="en-US">
-                <a:sym typeface="+mn-ea"/>
-              </a:rPr>
-              <a:t>示例</a:t>
-            </a:r>
-            <a:r>
-              <a:rPr lang="zh-CN" altLang="en-US"/>
-              <a:t>见代码：</a:t>
+            <a:r>
+              <a:rPr lang="zh-CN" altLang="en-US"/>
+              <a:t>通过如下代码片段，可以把输入的图片显示出来：</a:t>
             </a:r>
             <a:endParaRPr lang="zh-CN" altLang="en-US"/>
           </a:p>
@@ -1521,253 +2078,84 @@
             </a:r>
             <a:r>
               <a:rPr lang="zh-CN" altLang="en-US"/>
-              <a:t>创建嵌入变量，保存测试集中的手写数字图像（</a:t>
-            </a:r>
-            <a:r>
-              <a:rPr lang="zh-CN" altLang="en-US">
-                <a:sym typeface="+mn-ea"/>
-              </a:rPr>
-              <a:t>测试集</a:t>
-            </a:r>
-            <a:r>
-              <a:rPr lang="en-US" altLang="zh-CN">
-                <a:sym typeface="+mn-ea"/>
-              </a:rPr>
-              <a:t>1000</a:t>
-            </a:r>
-            <a:r>
-              <a:rPr lang="zh-CN" altLang="en-US">
-                <a:sym typeface="+mn-ea"/>
-              </a:rPr>
-              <a:t>多张，</a:t>
-            </a:r>
-            <a:r>
-              <a:rPr lang="zh-CN" altLang="en-US"/>
-              <a:t>训练集大概</a:t>
-            </a:r>
-            <a:r>
-              <a:rPr lang="en-US" altLang="zh-CN"/>
-              <a:t>50000</a:t>
-            </a:r>
-            <a:r>
-              <a:rPr lang="zh-CN" altLang="en-US"/>
-              <a:t>多张，太大了）</a:t>
-            </a:r>
-            <a:endParaRPr lang="zh-CN" altLang="en-US"/>
-          </a:p>
-          <a:p>
-            <a:r>
-              <a:rPr lang="zh-CN" altLang="en-US"/>
-              <a:t>images = tf.Variable(mnist.test.images, name='images')</a:t>
-            </a:r>
-            <a:endParaRPr lang="zh-CN" altLang="en-US"/>
-          </a:p>
-          <a:p>
-            <a:r>
-              <a:rPr lang="en-US" altLang="zh-CN"/>
-              <a:t>...</a:t>
-            </a:r>
-            <a:endParaRPr lang="en-US" altLang="zh-CN"/>
-          </a:p>
-          <a:p>
+              <a:t>设置名字作用域</a:t>
+            </a:r>
+            <a:endParaRPr lang="zh-CN" altLang="en-US"/>
+          </a:p>
+          <a:p>
+            <a:r>
+              <a:rPr lang="zh-CN" altLang="en-US"/>
+              <a:t>with tf.name_scope('input_reshape'):</a:t>
+            </a:r>
+            <a:endParaRPr lang="zh-CN" altLang="en-US"/>
+          </a:p>
+          <a:p>
+            <a:r>
+              <a:rPr lang="zh-CN" altLang="en-US"/>
+              <a:t>    </a:t>
+            </a:r>
             <a:r>
               <a:rPr lang="en-US" altLang="zh-CN"/>
               <a:t>#</a:t>
             </a:r>
             <a:r>
               <a:rPr lang="zh-CN" altLang="en-US"/>
-              <a:t>创建元数据文件，将手写字体数字对应的标签写入元数据文件中</a:t>
-            </a:r>
-            <a:endParaRPr lang="zh-CN" altLang="en-US"/>
-          </a:p>
-          <a:p>
-            <a:r>
-              <a:rPr lang="en-US" altLang="zh-CN"/>
-              <a:t>with open(metadata, 'w') as metadata_file:</a:t>
-            </a:r>
-            <a:endParaRPr lang="en-US" altLang="zh-CN"/>
-          </a:p>
-          <a:p>
-            <a:r>
-              <a:rPr lang="en-US" altLang="zh-CN"/>
-              <a:t>    for row in mnist.test.labels:</a:t>
-            </a:r>
-            <a:endParaRPr lang="en-US" altLang="zh-CN"/>
-          </a:p>
-          <a:p>
-            <a:r>
-              <a:rPr lang="en-US" altLang="zh-CN"/>
-              <a:t>        metadata_file.write('%d\n' %  np.argmax(row, 0))</a:t>
-            </a:r>
-            <a:endParaRPr lang="en-US" altLang="zh-CN"/>
-          </a:p>
-          <a:p>
-            <a:endParaRPr lang="en-US" altLang="zh-CN"/>
-          </a:p>
-          <a:p>
-            <a:r>
-              <a:rPr lang="en-US" altLang="zh-CN"/>
-              <a:t>...</a:t>
-            </a:r>
-            <a:endParaRPr lang="en-US" altLang="zh-CN"/>
-          </a:p>
-          <a:p>
-            <a:r>
-              <a:rPr lang="en-US" altLang="zh-CN"/>
-              <a:t>with tf.Session() as sess:</a:t>
-            </a:r>
-            <a:endParaRPr lang="en-US" altLang="zh-CN"/>
-          </a:p>
-          <a:p>
-            <a:r>
-              <a:rPr lang="en-US" altLang="zh-CN"/>
-              <a:t>    summary_writer = tf.summary.FileWriter(LOG_DIR, sess.graph)</a:t>
-            </a:r>
-            <a:endParaRPr lang="en-US" altLang="zh-CN"/>
-          </a:p>
-          <a:p>
-            <a:r>
-              <a:rPr lang="en-US" altLang="zh-CN"/>
-              <a:t>...</a:t>
-            </a:r>
-            <a:endParaRPr lang="en-US" altLang="zh-CN"/>
-          </a:p>
-          <a:p>
-            <a:r>
-              <a:rPr lang="en-US" altLang="zh-CN"/>
-              <a:t>    #</a:t>
-            </a:r>
-            <a:r>
-              <a:rPr lang="zh-CN" altLang="en-US"/>
-              <a:t>创建</a:t>
-            </a:r>
-            <a:r>
-              <a:rPr lang="en-US" altLang="zh-CN"/>
-              <a:t>saver</a:t>
-            </a:r>
-            <a:r>
-              <a:rPr lang="zh-CN" altLang="en-US"/>
-              <a:t>对象、初始化、保存嵌入变量</a:t>
-            </a:r>
-            <a:endParaRPr lang="zh-CN" altLang="en-US"/>
-          </a:p>
-          <a:p>
-            <a:r>
-              <a:rPr lang="en-US" altLang="zh-CN"/>
-              <a:t>    saver = tf.train.Saver([images])</a:t>
-            </a:r>
-            <a:endParaRPr lang="en-US" altLang="zh-CN"/>
-          </a:p>
-          <a:p>
-            <a:r>
-              <a:rPr lang="en-US" altLang="zh-CN"/>
-              <a:t>    sess.run(images.initializer)</a:t>
-            </a:r>
-            <a:endParaRPr lang="en-US" altLang="zh-CN"/>
-          </a:p>
-          <a:p>
-            <a:r>
-              <a:rPr lang="en-US" altLang="zh-CN"/>
-              <a:t>    saver.save(sess, os.path.join(LOG_DIR, 'images.ckpt'))</a:t>
-            </a:r>
-            <a:endParaRPr lang="en-US" altLang="zh-CN"/>
-          </a:p>
-          <a:p>
-            <a:endParaRPr lang="en-US" altLang="zh-CN"/>
-          </a:p>
-          <a:p>
-            <a:r>
-              <a:rPr lang="en-US" altLang="zh-CN"/>
-              <a:t>    #</a:t>
-            </a:r>
-            <a:r>
-              <a:rPr lang="zh-CN" altLang="en-US"/>
-              <a:t>创建投影配置参数</a:t>
-            </a:r>
-            <a:endParaRPr lang="zh-CN" altLang="en-US"/>
-          </a:p>
-          <a:p>
-            <a:r>
-              <a:rPr lang="en-US" altLang="zh-CN"/>
-              <a:t>    config = projector.ProjectorConfig()</a:t>
-            </a:r>
-            <a:endParaRPr lang="en-US" altLang="zh-CN"/>
-          </a:p>
-          <a:p>
-            <a:r>
-              <a:rPr lang="en-US" altLang="zh-CN"/>
-              <a:t>    embedding = config.embeddings.add()</a:t>
-            </a:r>
-            <a:endParaRPr lang="en-US" altLang="zh-CN"/>
-          </a:p>
-          <a:p>
-            <a:r>
-              <a:rPr lang="en-US" altLang="zh-CN"/>
-              <a:t>    embedding.tensor_name = images.name</a:t>
-            </a:r>
-            <a:endParaRPr lang="en-US" altLang="zh-CN"/>
-          </a:p>
-          <a:p>
-            <a:r>
-              <a:rPr lang="en-US" altLang="zh-CN"/>
-              <a:t>    #</a:t>
-            </a:r>
-            <a:r>
-              <a:rPr lang="zh-CN" altLang="en-US"/>
-              <a:t>和元数据文件关联起来</a:t>
-            </a:r>
-            <a:endParaRPr lang="zh-CN" altLang="en-US"/>
-          </a:p>
-          <a:p>
-            <a:r>
-              <a:rPr lang="en-US" altLang="zh-CN"/>
-              <a:t>    embedding.metadata_path = "metadata.tsv"</a:t>
-            </a:r>
-            <a:endParaRPr lang="en-US" altLang="zh-CN"/>
-          </a:p>
-          <a:p>
-            <a:r>
-              <a:rPr lang="en-US" altLang="zh-CN"/>
-              <a:t>    # </a:t>
-            </a:r>
-            <a:r>
-              <a:rPr lang="zh-CN" altLang="en-US"/>
-              <a:t>将参数写入投影配置文件中，当</a:t>
-            </a:r>
-            <a:r>
-              <a:rPr lang="en-US" altLang="zh-CN"/>
-              <a:t>TensorBoard</a:t>
-            </a:r>
-            <a:r>
-              <a:rPr lang="zh-CN" altLang="en-US"/>
-              <a:t>启动的时候，会自动加载该文件中的配置信息</a:t>
-            </a:r>
-            <a:endParaRPr lang="zh-CN" altLang="en-US"/>
-          </a:p>
-          <a:p>
-            <a:r>
-              <a:rPr lang="en-US" altLang="zh-CN"/>
-              <a:t>    projector.visualize_embeddings(summary_writer, config)</a:t>
-            </a:r>
-            <a:endParaRPr lang="en-US" altLang="zh-CN"/>
-          </a:p>
-          <a:p>
-            <a:endParaRPr lang="en-US" altLang="zh-CN"/>
-          </a:p>
-          <a:p>
-            <a:endParaRPr lang="en-US" altLang="zh-CN"/>
-          </a:p>
-          <a:p>
-            <a:endParaRPr lang="en-US" altLang="zh-CN"/>
-          </a:p>
-          <a:p>
-            <a:endParaRPr lang="en-US" altLang="zh-CN"/>
-          </a:p>
-          <a:p>
-            <a:endParaRPr lang="en-US" altLang="zh-CN"/>
-          </a:p>
-          <a:p>
-            <a:endParaRPr lang="en-US" altLang="zh-CN"/>
+              <a:t>把输入图像</a:t>
+            </a:r>
+            <a:r>
+              <a:rPr lang="en-US" altLang="zh-CN"/>
+              <a:t>X</a:t>
+            </a:r>
+            <a:r>
+              <a:rPr lang="zh-CN" altLang="en-US"/>
+              <a:t>转化为四阶张量</a:t>
+            </a:r>
+            <a:endParaRPr lang="zh-CN" altLang="en-US"/>
+          </a:p>
+          <a:p>
+            <a:r>
+              <a:rPr lang="zh-CN" altLang="en-US"/>
+              <a:t>    image_shaped_input = tf.reshape(x, [-1, 28, 28, 1])</a:t>
+            </a:r>
+            <a:endParaRPr lang="zh-CN" altLang="en-US"/>
+          </a:p>
+          <a:p>
+            <a:r>
+              <a:rPr lang="zh-CN" altLang="en-US"/>
+              <a:t>    </a:t>
+            </a:r>
+            <a:r>
+              <a:rPr lang="en-US" altLang="zh-CN"/>
+              <a:t>#</a:t>
+            </a:r>
+            <a:r>
+              <a:rPr lang="zh-CN" altLang="en-US"/>
+              <a:t>获取</a:t>
+            </a:r>
+            <a:r>
+              <a:rPr lang="en-US" altLang="zh-CN"/>
+              <a:t>img</a:t>
+            </a:r>
+            <a:r>
+              <a:rPr lang="zh-CN" altLang="en-US"/>
+              <a:t>汇总操作，设置最大生成</a:t>
+            </a:r>
+            <a:r>
+              <a:rPr lang="en-US" altLang="zh-CN"/>
+              <a:t>10</a:t>
+            </a:r>
+            <a:r>
+              <a:rPr lang="zh-CN" altLang="en-US"/>
+              <a:t>张图像</a:t>
+            </a:r>
+            <a:endParaRPr lang="zh-CN" altLang="en-US"/>
+          </a:p>
+          <a:p>
+            <a:r>
+              <a:rPr lang="zh-CN" altLang="en-US"/>
+              <a:t>    tf.summary.image('input', image_shaped_input, 10)</a:t>
+            </a:r>
+            <a:endParaRPr lang="zh-CN" altLang="en-US"/>
           </a:p>
         </p:txBody>
       </p:sp>
@@ -1811,40 +2199,387 @@
         <p:txBody>
           <a:bodyPr/>
           <a:p>
+            <a:endParaRPr lang="zh-CN" altLang="en-US"/>
+          </a:p>
+          <a:p>
+            <a:r>
+              <a:rPr lang="zh-CN" altLang="en-US"/>
+              <a:t>嵌入变量</a:t>
+            </a:r>
+            <a:r>
+              <a:rPr lang="en-US" altLang="zh-CN"/>
+              <a:t>-----</a:t>
+            </a:r>
+            <a:r>
+              <a:rPr lang="zh-CN" altLang="en-US"/>
+              <a:t>》写入</a:t>
+            </a:r>
+            <a:r>
+              <a:rPr lang="en-US" altLang="zh-CN"/>
+              <a:t>---</a:t>
+            </a:r>
+            <a:r>
+              <a:rPr lang="zh-CN" altLang="en-US"/>
+              <a:t>》</a:t>
+            </a:r>
+            <a:r>
+              <a:rPr lang="en-US" altLang="zh-CN"/>
+              <a:t>checkpoint</a:t>
+            </a:r>
+            <a:r>
+              <a:rPr lang="zh-CN" altLang="en-US"/>
+              <a:t>文件</a:t>
+            </a:r>
+            <a:endParaRPr lang="zh-CN" altLang="en-US"/>
+          </a:p>
+          <a:p>
+            <a:r>
+              <a:rPr lang="zh-CN" altLang="en-US"/>
+              <a:t>嵌入变量元数据</a:t>
+            </a:r>
+            <a:r>
+              <a:rPr lang="en-US" altLang="zh-CN"/>
+              <a:t>----</a:t>
+            </a:r>
+            <a:r>
+              <a:rPr lang="zh-CN" altLang="en-US"/>
+              <a:t>》写入</a:t>
+            </a:r>
+            <a:r>
+              <a:rPr lang="en-US" altLang="zh-CN"/>
+              <a:t>---</a:t>
+            </a:r>
+            <a:r>
+              <a:rPr lang="zh-CN" altLang="en-US"/>
+              <a:t>》元数据文件</a:t>
+            </a:r>
+            <a:endParaRPr lang="zh-CN" altLang="en-US"/>
+          </a:p>
+          <a:p>
+            <a:r>
+              <a:rPr lang="zh-CN" altLang="en-US"/>
+              <a:t>投影配置参数</a:t>
+            </a:r>
+            <a:r>
+              <a:rPr lang="en-US" altLang="zh-CN"/>
+              <a:t>----</a:t>
+            </a:r>
+            <a:r>
+              <a:rPr lang="zh-CN" altLang="en-US"/>
+              <a:t>》写入</a:t>
+            </a:r>
+            <a:r>
+              <a:rPr lang="en-US" altLang="zh-CN"/>
+              <a:t>---</a:t>
+            </a:r>
+            <a:r>
+              <a:rPr lang="zh-CN" altLang="en-US"/>
+              <a:t>》投影配置文件</a:t>
+            </a:r>
+            <a:endParaRPr lang="zh-CN" altLang="en-US"/>
+          </a:p>
+          <a:p>
+            <a:endParaRPr lang="zh-CN" altLang="en-US"/>
+          </a:p>
+          <a:p>
+            <a:r>
+              <a:rPr lang="en-US" altLang="zh-CN"/>
+              <a:t>====</a:t>
+            </a:r>
+            <a:r>
+              <a:rPr lang="zh-CN" altLang="en-US"/>
+              <a:t>》</a:t>
+            </a:r>
+            <a:r>
+              <a:rPr lang="en-US" altLang="zh-CN"/>
+              <a:t>TensorBoard</a:t>
+            </a:r>
+            <a:r>
+              <a:rPr lang="zh-CN" altLang="en-US"/>
+              <a:t>启动的时候，加载上述三个文件，可视化高纬数据</a:t>
+            </a:r>
+            <a:endParaRPr lang="zh-CN" altLang="en-US"/>
+          </a:p>
+          <a:p>
+            <a:endParaRPr lang="zh-CN" altLang="en-US"/>
+          </a:p>
+          <a:p>
+            <a:endParaRPr lang="zh-CN" altLang="en-US"/>
+          </a:p>
+          <a:p>
+            <a:r>
+              <a:rPr lang="zh-CN" altLang="en-US"/>
+              <a:t>调用</a:t>
+            </a:r>
             <a:r>
               <a:rPr lang="zh-CN" altLang="en-US">
                 <a:sym typeface="+mn-ea"/>
               </a:rPr>
-              <a:t>http://colah.github.io/posts/2014-10-Visualizing-MNIST/</a:t>
-            </a:r>
-            <a:endParaRPr lang="zh-CN" altLang="en-US"/>
-          </a:p>
-          <a:p>
+              <a:t>示例</a:t>
+            </a:r>
+            <a:r>
+              <a:rPr lang="zh-CN" altLang="en-US"/>
+              <a:t>见代码：</a:t>
+            </a:r>
+            <a:endParaRPr lang="zh-CN" altLang="en-US"/>
+          </a:p>
+          <a:p>
+            <a:endParaRPr lang="zh-CN" altLang="en-US"/>
+          </a:p>
+          <a:p>
+            <a:r>
+              <a:rPr lang="en-US" altLang="zh-CN"/>
+              <a:t>#</a:t>
+            </a:r>
+            <a:r>
+              <a:rPr lang="zh-CN" altLang="en-US"/>
+              <a:t>创建嵌入变量，保存测试集中的手写数字图像（</a:t>
+            </a:r>
             <a:r>
               <a:rPr lang="zh-CN" altLang="en-US">
                 <a:sym typeface="+mn-ea"/>
               </a:rPr>
-              <a:t>https://blog.csdn.net/liukx940818/article/details/64922419</a:t>
-            </a:r>
-            <a:endParaRPr lang="zh-CN" altLang="en-US"/>
-          </a:p>
-          <a:p>
+              <a:t>测试集</a:t>
+            </a:r>
+            <a:r>
+              <a:rPr lang="en-US" altLang="zh-CN">
+                <a:sym typeface="+mn-ea"/>
+              </a:rPr>
+              <a:t>1000</a:t>
+            </a:r>
             <a:r>
               <a:rPr lang="zh-CN" altLang="en-US">
                 <a:sym typeface="+mn-ea"/>
               </a:rPr>
-              <a:t>https://github.com/eliorc/Medium/blob/master/PCA-tSNE-AE.ipynb</a:t>
-            </a:r>
-            <a:endParaRPr lang="zh-CN" altLang="en-US"/>
-          </a:p>
-          <a:p>
-            <a:r>
-              <a:rPr lang="zh-CN" altLang="en-US">
-                <a:sym typeface="+mn-ea"/>
-              </a:rPr>
-              <a:t>https://blog.csdn.net/c2a2o2/article/details/78731925</a:t>
-            </a:r>
-            <a:endParaRPr lang="zh-CN" altLang="en-US"/>
+              <a:t>多张，</a:t>
+            </a:r>
+            <a:r>
+              <a:rPr lang="zh-CN" altLang="en-US"/>
+              <a:t>训练集大概</a:t>
+            </a:r>
+            <a:r>
+              <a:rPr lang="en-US" altLang="zh-CN"/>
+              <a:t>50000</a:t>
+            </a:r>
+            <a:r>
+              <a:rPr lang="zh-CN" altLang="en-US"/>
+              <a:t>多张，太大了）</a:t>
+            </a:r>
+            <a:endParaRPr lang="zh-CN" altLang="en-US"/>
+          </a:p>
+          <a:p>
+            <a:r>
+              <a:rPr lang="zh-CN" altLang="en-US"/>
+              <a:t>images = tf.Variable(mnist.test.images, name='images')</a:t>
+            </a:r>
+            <a:endParaRPr lang="zh-CN" altLang="en-US"/>
+          </a:p>
+          <a:p>
+            <a:r>
+              <a:rPr lang="en-US" altLang="zh-CN"/>
+              <a:t>...</a:t>
+            </a:r>
+            <a:endParaRPr lang="en-US" altLang="zh-CN"/>
+          </a:p>
+          <a:p>
+            <a:r>
+              <a:rPr lang="en-US" altLang="zh-CN"/>
+              <a:t>#</a:t>
+            </a:r>
+            <a:r>
+              <a:rPr lang="zh-CN" altLang="en-US"/>
+              <a:t>创建元数据文件，将手写字体数字对应的标签写入元数据文件中</a:t>
+            </a:r>
+            <a:endParaRPr lang="zh-CN" altLang="en-US"/>
+          </a:p>
+          <a:p>
+            <a:r>
+              <a:rPr lang="en-US" altLang="zh-CN"/>
+              <a:t>with open(metadata, 'w') as metadata_file:</a:t>
+            </a:r>
+            <a:endParaRPr lang="en-US" altLang="zh-CN"/>
+          </a:p>
+          <a:p>
+            <a:r>
+              <a:rPr lang="en-US" altLang="zh-CN"/>
+              <a:t>    for row in mnist.test.labels:</a:t>
+            </a:r>
+            <a:endParaRPr lang="en-US" altLang="zh-CN"/>
+          </a:p>
+          <a:p>
+            <a:r>
+              <a:rPr lang="en-US" altLang="zh-CN"/>
+              <a:t>        metadata_file.write('%d\n' %  np.argmax(row, 0))</a:t>
+            </a:r>
+            <a:endParaRPr lang="en-US" altLang="zh-CN"/>
+          </a:p>
+          <a:p>
+            <a:endParaRPr lang="en-US" altLang="zh-CN"/>
+          </a:p>
+          <a:p>
+            <a:r>
+              <a:rPr lang="en-US" altLang="zh-CN"/>
+              <a:t>...</a:t>
+            </a:r>
+            <a:endParaRPr lang="en-US" altLang="zh-CN"/>
+          </a:p>
+          <a:p>
+            <a:r>
+              <a:rPr lang="en-US" altLang="zh-CN"/>
+              <a:t>with tf.Session() as sess:</a:t>
+            </a:r>
+            <a:endParaRPr lang="en-US" altLang="zh-CN"/>
+          </a:p>
+          <a:p>
+            <a:r>
+              <a:rPr lang="en-US" altLang="zh-CN"/>
+              <a:t>    summary_writer = tf.summary.FileWriter(LOG_DIR, sess.graph)</a:t>
+            </a:r>
+            <a:endParaRPr lang="en-US" altLang="zh-CN"/>
+          </a:p>
+          <a:p>
+            <a:r>
+              <a:rPr lang="en-US" altLang="zh-CN"/>
+              <a:t>...</a:t>
+            </a:r>
+            <a:endParaRPr lang="en-US" altLang="zh-CN"/>
+          </a:p>
+          <a:p>
+            <a:r>
+              <a:rPr lang="en-US" altLang="zh-CN"/>
+              <a:t>    #</a:t>
+            </a:r>
+            <a:r>
+              <a:rPr lang="zh-CN" altLang="en-US"/>
+              <a:t>创建</a:t>
+            </a:r>
+            <a:r>
+              <a:rPr lang="en-US" altLang="zh-CN"/>
+              <a:t>saver</a:t>
+            </a:r>
+            <a:r>
+              <a:rPr lang="zh-CN" altLang="en-US"/>
+              <a:t>对象、初始化、保存嵌入变量</a:t>
+            </a:r>
+            <a:endParaRPr lang="zh-CN" altLang="en-US"/>
+          </a:p>
+          <a:p>
+            <a:r>
+              <a:rPr lang="en-US" altLang="zh-CN"/>
+              <a:t>    saver = tf.train.Saver([images])</a:t>
+            </a:r>
+            <a:endParaRPr lang="en-US" altLang="zh-CN"/>
+          </a:p>
+          <a:p>
+            <a:r>
+              <a:rPr lang="en-US" altLang="zh-CN"/>
+              <a:t>    sess.run(images.initializer)</a:t>
+            </a:r>
+            <a:endParaRPr lang="en-US" altLang="zh-CN"/>
+          </a:p>
+          <a:p>
+            <a:r>
+              <a:rPr lang="en-US" altLang="zh-CN"/>
+              <a:t>    saver.save(sess, os.path.join(LOG_DIR, 'images.ckpt'))</a:t>
+            </a:r>
+            <a:endParaRPr lang="en-US" altLang="zh-CN"/>
+          </a:p>
+          <a:p>
+            <a:endParaRPr lang="en-US" altLang="zh-CN"/>
+          </a:p>
+          <a:p>
+            <a:r>
+              <a:rPr lang="en-US" altLang="zh-CN"/>
+              <a:t>    #</a:t>
+            </a:r>
+            <a:r>
+              <a:rPr lang="zh-CN" altLang="en-US"/>
+              <a:t>创建投影配置参数</a:t>
+            </a:r>
+            <a:endParaRPr lang="zh-CN" altLang="en-US"/>
+          </a:p>
+          <a:p>
+            <a:r>
+              <a:rPr lang="en-US" altLang="zh-CN"/>
+              <a:t>    config = projector.ProjectorConfig()</a:t>
+            </a:r>
+            <a:endParaRPr lang="en-US" altLang="zh-CN"/>
+          </a:p>
+          <a:p>
+            <a:r>
+              <a:rPr lang="en-US" altLang="zh-CN"/>
+              <a:t>    embedding = config.embeddings.add()</a:t>
+            </a:r>
+            <a:endParaRPr lang="en-US" altLang="zh-CN"/>
+          </a:p>
+          <a:p>
+            <a:r>
+              <a:rPr lang="en-US" altLang="zh-CN"/>
+              <a:t>    embedding.tensor_name = images.name</a:t>
+            </a:r>
+            <a:endParaRPr lang="en-US" altLang="zh-CN"/>
+          </a:p>
+          <a:p>
+            <a:r>
+              <a:rPr lang="en-US" altLang="zh-CN"/>
+              <a:t>    #</a:t>
+            </a:r>
+            <a:r>
+              <a:rPr lang="zh-CN" altLang="en-US"/>
+              <a:t>和元数据文件关联起来</a:t>
+            </a:r>
+            <a:endParaRPr lang="zh-CN" altLang="en-US"/>
+          </a:p>
+          <a:p>
+            <a:r>
+              <a:rPr lang="en-US" altLang="zh-CN"/>
+              <a:t>    embedding.metadata_path = "metadata.tsv"</a:t>
+            </a:r>
+            <a:endParaRPr lang="en-US" altLang="zh-CN"/>
+          </a:p>
+          <a:p>
+            <a:r>
+              <a:rPr lang="en-US" altLang="zh-CN"/>
+              <a:t>    # </a:t>
+            </a:r>
+            <a:r>
+              <a:rPr lang="zh-CN" altLang="en-US"/>
+              <a:t>将参数写入投影配置文件中，当</a:t>
+            </a:r>
+            <a:r>
+              <a:rPr lang="en-US" altLang="zh-CN"/>
+              <a:t>TensorBoard</a:t>
+            </a:r>
+            <a:r>
+              <a:rPr lang="zh-CN" altLang="en-US"/>
+              <a:t>启动的时候，会自动加载该文件中的配置信息</a:t>
+            </a:r>
+            <a:endParaRPr lang="zh-CN" altLang="en-US"/>
+          </a:p>
+          <a:p>
+            <a:r>
+              <a:rPr lang="en-US" altLang="zh-CN"/>
+              <a:t>    projector.visualize_embeddings(summary_writer, config)</a:t>
+            </a:r>
+            <a:endParaRPr lang="en-US" altLang="zh-CN"/>
+          </a:p>
+          <a:p>
+            <a:endParaRPr lang="en-US" altLang="zh-CN"/>
+          </a:p>
+          <a:p>
+            <a:endParaRPr lang="en-US" altLang="zh-CN"/>
+          </a:p>
+          <a:p>
+            <a:endParaRPr lang="en-US" altLang="zh-CN"/>
+          </a:p>
+          <a:p>
+            <a:endParaRPr lang="en-US" altLang="zh-CN"/>
+          </a:p>
+          <a:p>
+            <a:endParaRPr lang="en-US" altLang="zh-CN"/>
+          </a:p>
+          <a:p>
+            <a:endParaRPr lang="en-US" altLang="zh-CN"/>
           </a:p>
         </p:txBody>
       </p:sp>
@@ -1889,69 +2624,37 @@
           <a:bodyPr/>
           <a:p>
             <a:r>
-              <a:rPr lang="zh-CN" altLang="en-US"/>
-              <a:t>生成折线图，可以显示出标量数据的趋势信息</a:t>
-            </a:r>
-            <a:endParaRPr lang="zh-CN" altLang="en-US"/>
-          </a:p>
-          <a:p>
-            <a:endParaRPr lang="zh-CN" altLang="en-US"/>
-          </a:p>
-          <a:p>
-            <a:r>
-              <a:rPr lang="en-US" altLang="zh-CN"/>
-              <a:t>X</a:t>
-            </a:r>
-            <a:r>
-              <a:rPr lang="zh-CN" altLang="en-US"/>
-              <a:t>轴： 支持三种方式，训练步数、相对时间、墙上时间</a:t>
-            </a:r>
-            <a:endParaRPr lang="zh-CN" altLang="en-US"/>
-          </a:p>
-          <a:p>
-            <a:r>
-              <a:rPr lang="en-US" altLang="zh-CN"/>
-              <a:t>Y</a:t>
-            </a:r>
-            <a:r>
-              <a:rPr lang="zh-CN" altLang="en-US"/>
-              <a:t>轴：准确率， 或者 损失值（代价值）</a:t>
-            </a:r>
-            <a:endParaRPr lang="zh-CN" altLang="en-US"/>
-          </a:p>
-          <a:p>
-            <a:endParaRPr lang="zh-CN" altLang="en-US"/>
-          </a:p>
-          <a:p>
-            <a:r>
-              <a:rPr lang="zh-CN" altLang="en-US"/>
-              <a:t>支持以</a:t>
-            </a:r>
-            <a:r>
-              <a:rPr lang="en-US" altLang="zh-CN"/>
-              <a:t>csv</a:t>
-            </a:r>
-            <a:r>
-              <a:rPr lang="zh-CN" altLang="en-US"/>
-              <a:t>或者</a:t>
-            </a:r>
-            <a:r>
-              <a:rPr lang="en-US" altLang="zh-CN"/>
-              <a:t>json</a:t>
-            </a:r>
-            <a:r>
-              <a:rPr lang="zh-CN" altLang="en-US"/>
-              <a:t>的格式下载数据。</a:t>
-            </a:r>
-            <a:endParaRPr lang="zh-CN" altLang="en-US"/>
-          </a:p>
-          <a:p>
-            <a:endParaRPr lang="zh-CN" altLang="en-US"/>
-          </a:p>
-          <a:p>
-            <a:r>
-              <a:rPr lang="zh-CN" altLang="en-US"/>
-              <a:t>提供可调整的平滑率：折线图中，前景色深色的线条为按照当前的平滑率处理之后的曲线；背景色浅色的线条为实际值。</a:t>
+              <a:rPr lang="zh-CN" altLang="en-US">
+                <a:sym typeface="+mn-ea"/>
+              </a:rPr>
+              <a:t>http://colah.github.io/posts/2014-10-Visualizing-MNIST/</a:t>
+            </a:r>
+            <a:endParaRPr lang="zh-CN" altLang="en-US"/>
+          </a:p>
+          <a:p>
+            <a:r>
+              <a:rPr lang="zh-CN" altLang="en-US">
+                <a:sym typeface="+mn-ea"/>
+              </a:rPr>
+              <a:t>https://blog.csdn.net/liukx940818/article/details/64922419</a:t>
+            </a:r>
+            <a:endParaRPr lang="zh-CN" altLang="en-US"/>
+          </a:p>
+          <a:p>
+            <a:r>
+              <a:rPr lang="zh-CN" altLang="en-US">
+                <a:sym typeface="+mn-ea"/>
+              </a:rPr>
+              <a:t>https://github.com/eliorc/Medium/blob/master/PCA-tSNE-AE.ipynb</a:t>
+            </a:r>
+            <a:endParaRPr lang="zh-CN" altLang="en-US"/>
+          </a:p>
+          <a:p>
+            <a:r>
+              <a:rPr lang="zh-CN" altLang="en-US">
+                <a:sym typeface="+mn-ea"/>
+              </a:rPr>
+              <a:t>https://blog.csdn.net/c2a2o2/article/details/78731925</a:t>
             </a:r>
             <a:endParaRPr lang="zh-CN" altLang="en-US"/>
           </a:p>
@@ -1997,6 +2700,224 @@
         <p:txBody>
           <a:bodyPr/>
           <a:p>
+            <a:r>
+              <a:rPr lang="zh-CN" altLang="en-US"/>
+              <a:t>生成折线图，可以显示出标量数据的趋势信息</a:t>
+            </a:r>
+            <a:endParaRPr lang="zh-CN" altLang="en-US"/>
+          </a:p>
+          <a:p>
+            <a:endParaRPr lang="zh-CN" altLang="en-US"/>
+          </a:p>
+          <a:p>
+            <a:r>
+              <a:rPr lang="en-US" altLang="zh-CN"/>
+              <a:t>X</a:t>
+            </a:r>
+            <a:r>
+              <a:rPr lang="zh-CN" altLang="en-US"/>
+              <a:t>轴： 支持三种方式，训练步数、相对时间、墙上时间</a:t>
+            </a:r>
+            <a:endParaRPr lang="zh-CN" altLang="en-US"/>
+          </a:p>
+          <a:p>
+            <a:r>
+              <a:rPr lang="en-US" altLang="zh-CN"/>
+              <a:t>Y</a:t>
+            </a:r>
+            <a:r>
+              <a:rPr lang="zh-CN" altLang="en-US"/>
+              <a:t>轴：准确率， 或者 损失值（代价值）</a:t>
+            </a:r>
+            <a:endParaRPr lang="zh-CN" altLang="en-US"/>
+          </a:p>
+          <a:p>
+            <a:endParaRPr lang="zh-CN" altLang="en-US"/>
+          </a:p>
+          <a:p>
+            <a:r>
+              <a:rPr lang="zh-CN" altLang="en-US"/>
+              <a:t>支持以</a:t>
+            </a:r>
+            <a:r>
+              <a:rPr lang="en-US" altLang="zh-CN"/>
+              <a:t>csv</a:t>
+            </a:r>
+            <a:r>
+              <a:rPr lang="zh-CN" altLang="en-US"/>
+              <a:t>或者</a:t>
+            </a:r>
+            <a:r>
+              <a:rPr lang="en-US" altLang="zh-CN"/>
+              <a:t>json</a:t>
+            </a:r>
+            <a:r>
+              <a:rPr lang="zh-CN" altLang="en-US"/>
+              <a:t>的格式下载数据。</a:t>
+            </a:r>
+            <a:endParaRPr lang="zh-CN" altLang="en-US"/>
+          </a:p>
+          <a:p>
+            <a:endParaRPr lang="zh-CN" altLang="en-US"/>
+          </a:p>
+          <a:p>
+            <a:r>
+              <a:rPr lang="zh-CN" altLang="en-US"/>
+              <a:t>提供可调整的平滑率：折线图中，前景色深色的线条为按照当前的平滑率处理之后的曲线；背景色浅色的线条为实际值。</a:t>
+            </a:r>
+            <a:endParaRPr lang="zh-CN" altLang="en-US"/>
+          </a:p>
+          <a:p>
+            <a:endParaRPr lang="zh-CN" altLang="en-US"/>
+          </a:p>
+          <a:p>
+            <a:endParaRPr lang="zh-CN" altLang="en-US"/>
+          </a:p>
+          <a:p>
+            <a:r>
+              <a:rPr lang="zh-CN" altLang="en-US"/>
+              <a:t>关于平滑率，代码中的注释：</a:t>
+            </a:r>
+            <a:endParaRPr lang="zh-CN" altLang="en-US"/>
+          </a:p>
+          <a:p>
+            <a:r>
+              <a:rPr lang="zh-CN" altLang="en-US"/>
+              <a:t>tensorboard/plugins/scalar/vz_line_chart/vz-line-chart.ts</a:t>
+            </a:r>
+            <a:endParaRPr lang="zh-CN" altLang="en-US"/>
+          </a:p>
+          <a:p>
+            <a:endParaRPr lang="zh-CN" altLang="en-US"/>
+          </a:p>
+          <a:p>
+            <a:r>
+              <a:rPr lang="zh-CN" altLang="en-US"/>
+              <a:t>    /**</a:t>
+            </a:r>
+            <a:endParaRPr lang="zh-CN" altLang="en-US"/>
+          </a:p>
+          <a:p>
+            <a:r>
+              <a:rPr lang="zh-CN" altLang="en-US"/>
+              <a:t>     * Weight (between 0.0 and 1.0) of the smoothing. This weight controls</a:t>
+            </a:r>
+            <a:endParaRPr lang="zh-CN" altLang="en-US"/>
+          </a:p>
+          <a:p>
+            <a:r>
+              <a:rPr lang="zh-CN" altLang="en-US"/>
+              <a:t>     * the window size, and a weight of 1.0 means using 50% of the entire</a:t>
+            </a:r>
+            <a:endParaRPr lang="zh-CN" altLang="en-US"/>
+          </a:p>
+          <a:p>
+            <a:r>
+              <a:rPr lang="zh-CN" altLang="en-US"/>
+              <a:t>     * dataset as the window, while a weight of 0.0 means using a window of</a:t>
+            </a:r>
+            <a:endParaRPr lang="zh-CN" altLang="en-US"/>
+          </a:p>
+          <a:p>
+            <a:r>
+              <a:rPr lang="zh-CN" altLang="en-US"/>
+              <a:t>     * 0 (and thus replacing each point with themselves).</a:t>
+            </a:r>
+            <a:endParaRPr lang="zh-CN" altLang="en-US"/>
+          </a:p>
+          <a:p>
+            <a:endParaRPr lang="zh-CN" altLang="en-US"/>
+          </a:p>
+          <a:p>
+            <a:endParaRPr lang="zh-CN" altLang="en-US"/>
+          </a:p>
+          <a:p>
+            <a:r>
+              <a:rPr lang="zh-CN" altLang="en-US"/>
+              <a:t>网上参考的示例：</a:t>
+            </a:r>
+            <a:endParaRPr lang="zh-CN" altLang="en-US"/>
+          </a:p>
+          <a:p>
+            <a:r>
+              <a:rPr lang="zh-CN" altLang="en-US"/>
+              <a:t>https://stackoverflow.com/questions/42281844/what-is-the-mathematics-behind-the-smoothing-parameter-in-tensorboards-scalar</a:t>
+            </a:r>
+            <a:endParaRPr lang="zh-CN" altLang="en-US"/>
+          </a:p>
+          <a:p>
+            <a:endParaRPr lang="zh-CN" altLang="en-US"/>
+          </a:p>
+          <a:p>
+            <a:r>
+              <a:rPr lang="zh-CN" altLang="en-US"/>
+              <a:t>Assuming all the real scalar values are in a list called scalars the smoothing is applied as follows:</a:t>
+            </a:r>
+            <a:endParaRPr lang="zh-CN" altLang="en-US"/>
+          </a:p>
+          <a:p>
+            <a:endParaRPr lang="zh-CN" altLang="en-US"/>
+          </a:p>
+          <a:p>
+            <a:r>
+              <a:rPr lang="zh-CN" altLang="en-US"/>
+              <a:t>def smooth(scalars, weight):  # Weight between 0 and 1</a:t>
+            </a:r>
+            <a:endParaRPr lang="zh-CN" altLang="en-US"/>
+          </a:p>
+          <a:p>
+            <a:r>
+              <a:rPr lang="zh-CN" altLang="en-US"/>
+              <a:t>    last = scalars[0]  # First value in the plot (first timestep)</a:t>
+            </a:r>
+            <a:endParaRPr lang="zh-CN" altLang="en-US"/>
+          </a:p>
+          <a:p>
+            <a:r>
+              <a:rPr lang="zh-CN" altLang="en-US"/>
+              <a:t>    smoothed = list()</a:t>
+            </a:r>
+            <a:endParaRPr lang="zh-CN" altLang="en-US"/>
+          </a:p>
+          <a:p>
+            <a:r>
+              <a:rPr lang="zh-CN" altLang="en-US"/>
+              <a:t>    for point in scalars:</a:t>
+            </a:r>
+            <a:endParaRPr lang="zh-CN" altLang="en-US"/>
+          </a:p>
+          <a:p>
+            <a:r>
+              <a:rPr lang="zh-CN" altLang="en-US"/>
+              <a:t>        smoothed_val = last * weight + (1 - weight) * point  # Calculate smoothed value</a:t>
+            </a:r>
+            <a:endParaRPr lang="zh-CN" altLang="en-US"/>
+          </a:p>
+          <a:p>
+            <a:r>
+              <a:rPr lang="zh-CN" altLang="en-US"/>
+              <a:t>        smoothed.append(smoothed_val)                        # Save it</a:t>
+            </a:r>
+            <a:endParaRPr lang="zh-CN" altLang="en-US"/>
+          </a:p>
+          <a:p>
+            <a:r>
+              <a:rPr lang="zh-CN" altLang="en-US"/>
+              <a:t>        last = smoothed_val                                  # Anchor the last smoothed value</a:t>
+            </a:r>
+            <a:endParaRPr lang="zh-CN" altLang="en-US"/>
+          </a:p>
+          <a:p>
+            <a:endParaRPr lang="zh-CN" altLang="en-US"/>
+          </a:p>
+          <a:p>
+            <a:r>
+              <a:rPr lang="zh-CN" altLang="en-US"/>
+              <a:t>    return smoothed</a:t>
+            </a:r>
+            <a:endParaRPr lang="zh-CN" altLang="en-US"/>
+          </a:p>
+          <a:p>
             <a:endParaRPr lang="zh-CN" altLang="en-US"/>
           </a:p>
         </p:txBody>
@@ -2040,86 +2961,6 @@
         <p:spPr/>
         <p:txBody>
           <a:bodyPr/>
-          <a:p>
-            <a:r>
-              <a:rPr lang="zh-CN" altLang="en-US"/>
-              <a:t>以三维的形式呈现数据的分布。</a:t>
-            </a:r>
-            <a:endParaRPr lang="zh-CN" altLang="en-US"/>
-          </a:p>
-          <a:p>
-            <a:r>
-              <a:rPr lang="en-US" altLang="zh-CN"/>
-              <a:t>Y</a:t>
-            </a:r>
-            <a:r>
-              <a:rPr lang="zh-CN" altLang="en-US"/>
-              <a:t>轴是训练步数；</a:t>
-            </a:r>
-            <a:endParaRPr lang="zh-CN" altLang="en-US"/>
-          </a:p>
-          <a:p>
-            <a:r>
-              <a:rPr lang="en-US" altLang="zh-CN"/>
-              <a:t>X</a:t>
-            </a:r>
-            <a:r>
-              <a:rPr lang="zh-CN" altLang="en-US"/>
-              <a:t>轴是取值，每一个取值表示以该值为中心的一个区间；</a:t>
-            </a:r>
-            <a:endParaRPr lang="zh-CN" altLang="en-US"/>
-          </a:p>
-          <a:p>
-            <a:r>
-              <a:rPr lang="zh-CN" altLang="en-US"/>
-              <a:t>图像的值（鼠标放上去，可以显示出来），表示训练到第</a:t>
-            </a:r>
-            <a:r>
-              <a:rPr lang="en-US" altLang="zh-CN"/>
-              <a:t>x</a:t>
-            </a:r>
-            <a:r>
-              <a:rPr lang="zh-CN" altLang="en-US"/>
-              <a:t>步时，以</a:t>
-            </a:r>
-            <a:r>
-              <a:rPr lang="en-US" altLang="zh-CN"/>
-              <a:t>y</a:t>
-            </a:r>
-            <a:r>
-              <a:rPr lang="zh-CN" altLang="en-US"/>
-              <a:t>为中心的区间内，有多少个元素。</a:t>
-            </a:r>
-            <a:endParaRPr lang="zh-CN" altLang="en-US"/>
-          </a:p>
-          <a:p>
-            <a:endParaRPr lang="zh-CN" altLang="en-US"/>
-          </a:p>
-          <a:p>
-            <a:r>
-              <a:rPr lang="zh-CN" altLang="en-US"/>
-              <a:t>统计学中的频数分布直方图。</a:t>
-            </a:r>
-            <a:endParaRPr lang="zh-CN" altLang="en-US"/>
-          </a:p>
-          <a:p>
-            <a:r>
-              <a:rPr lang="zh-CN" altLang="en-US"/>
-              <a:t>可以以</a:t>
-            </a:r>
-            <a:r>
-              <a:rPr lang="en-US" altLang="zh-CN"/>
-              <a:t>bias</a:t>
-            </a:r>
-            <a:r>
-              <a:rPr lang="zh-CN" altLang="en-US"/>
-              <a:t>为例，获得直观的感受。</a:t>
-            </a:r>
-            <a:endParaRPr lang="zh-CN" altLang="en-US"/>
-          </a:p>
-          <a:p>
-            <a:endParaRPr lang="zh-CN" altLang="en-US"/>
-          </a:p>
           <a:p>
             <a:endParaRPr lang="zh-CN" altLang="en-US"/>
           </a:p>
@@ -5203,11 +6044,7 @@
             </a:r>
             <a:r>
               <a:rPr lang="zh-CN" altLang="en-US"/>
-              <a:t>实现的，</a:t>
-            </a:r>
-            <a:r>
-              <a:rPr lang="zh-CN" altLang="en-US"/>
-              <a:t>尚未完全分析（tensorboard/plugins/projector/vz_projector）。</a:t>
+              <a:t>实现的，尚未完全分析（tensorboard/plugins/projector/vz_projector）。</a:t>
             </a:r>
             <a:endParaRPr lang="zh-CN" altLang="en-US"/>
           </a:p>
@@ -6652,16 +7489,12 @@
           <a:p>
             <a:pPr algn="ctr"/>
             <a:r>
+              <a:rPr lang="en-US" altLang="zh-CN" b="1"/>
+              <a:t>TensorBoard</a:t>
+            </a:r>
+            <a:r>
               <a:rPr lang="zh-CN" altLang="en-US" b="1"/>
-              <a:t>实验一（简单</a:t>
-            </a:r>
-            <a:r>
-              <a:rPr lang="en-US" altLang="zh-CN" b="1"/>
-              <a:t>mnist</a:t>
-            </a:r>
-            <a:r>
-              <a:rPr lang="zh-CN" altLang="en-US" b="1"/>
-              <a:t>）</a:t>
+              <a:t>与反向传播算法</a:t>
             </a:r>
             <a:endParaRPr lang="zh-CN" altLang="en-US" b="1"/>
           </a:p>
@@ -6684,145 +7517,106 @@
           </a:bodyPr>
           <a:p>
             <a:r>
-              <a:rPr lang="zh-CN" altLang="en-US">
-                <a:sym typeface="+mn-ea"/>
-              </a:rPr>
-              <a:t>原始代码</a:t>
-            </a:r>
-            <a:r>
-              <a:rPr lang="en-US" altLang="zh-CN">
-                <a:sym typeface="+mn-ea"/>
-              </a:rPr>
+              <a:rPr lang="zh-CN" altLang="en-US"/>
+              <a:t>根据程工上次发的参考资料</a:t>
+            </a:r>
+            <a:r>
+              <a:rPr lang="en-US" altLang="zh-CN"/>
               <a:t>(</a:t>
             </a:r>
             <a:r>
-              <a:rPr lang="zh-CN" altLang="en-US">
-                <a:sym typeface="+mn-ea"/>
-              </a:rPr>
-              <a:t>来自《</a:t>
-            </a:r>
-            <a:r>
-              <a:rPr lang="zh-CN" altLang="en-US" dirty="0">
-                <a:sym typeface="+mn-ea"/>
-              </a:rPr>
-              <a:t>深度学习之</a:t>
-            </a:r>
-            <a:r>
-              <a:rPr lang="en-US" altLang="zh-CN" dirty="0">
-                <a:sym typeface="+mn-ea"/>
-              </a:rPr>
-              <a:t>TensorFlow </a:t>
-            </a:r>
-            <a:r>
-              <a:rPr lang="zh-CN" altLang="en-US" dirty="0">
-                <a:sym typeface="+mn-ea"/>
-              </a:rPr>
-              <a:t>入门、原理与进阶实战</a:t>
-            </a:r>
-            <a:r>
-              <a:rPr lang="en-US" altLang="zh-CN" dirty="0">
-                <a:sym typeface="+mn-ea"/>
-              </a:rPr>
-              <a:t>》 </a:t>
-            </a:r>
-            <a:r>
-              <a:rPr lang="zh-CN" altLang="en-US" dirty="0">
-                <a:sym typeface="+mn-ea"/>
-              </a:rPr>
-              <a:t>李金洪著</a:t>
-            </a:r>
-            <a:r>
-              <a:rPr lang="en-US" altLang="zh-CN">
-                <a:sym typeface="+mn-ea"/>
-              </a:rPr>
+              <a:rPr lang="zh-CN" altLang="en-US"/>
+              <a:t>韩炳涛</a:t>
+            </a:r>
+            <a:r>
+              <a:rPr lang="en-US" altLang="zh-CN"/>
+              <a:t>,神经网络和反向传播算法,</a:t>
+            </a:r>
+            <a:r>
+              <a:rPr lang="zh-CN" altLang="en-US"/>
+              <a:t>https://www.zybuluo.com/hanbingtao/note/476663</a:t>
+            </a:r>
+            <a:r>
+              <a:rPr lang="en-US" altLang="zh-CN"/>
               <a:t>)</a:t>
             </a:r>
-            <a:endParaRPr lang="en-US" altLang="zh-CN">
-              <a:sym typeface="+mn-ea"/>
-            </a:endParaRPr>
-          </a:p>
-          <a:p>
-            <a:r>
-              <a:rPr lang="zh-CN" altLang="en-US">
-                <a:sym typeface="+mn-ea"/>
-              </a:rPr>
-              <a:t>修改代码，使之支持</a:t>
-            </a:r>
-            <a:r>
-              <a:rPr lang="en-US" altLang="zh-CN">
-                <a:sym typeface="+mn-ea"/>
-              </a:rPr>
-              <a:t>tensorboard</a:t>
-            </a:r>
-            <a:r>
-              <a:rPr lang="zh-CN" altLang="en-US">
-                <a:sym typeface="+mn-ea"/>
-              </a:rPr>
-              <a:t>（见附件）</a:t>
-            </a:r>
-            <a:endParaRPr lang="zh-CN" altLang="en-US">
-              <a:sym typeface="+mn-ea"/>
-            </a:endParaRPr>
-          </a:p>
-          <a:p>
-            <a:r>
-              <a:rPr lang="zh-CN" altLang="en-US">
-                <a:sym typeface="+mn-ea"/>
-              </a:rPr>
-              <a:t>分析</a:t>
-            </a:r>
-            <a:r>
-              <a:rPr lang="en-US" altLang="zh-CN">
-                <a:sym typeface="+mn-ea"/>
-              </a:rPr>
-              <a:t>tensorboard</a:t>
-            </a:r>
-            <a:r>
-              <a:rPr lang="zh-CN" altLang="en-US">
-                <a:sym typeface="+mn-ea"/>
-              </a:rPr>
-              <a:t>显示的信息（输入的</a:t>
-            </a:r>
-            <a:r>
-              <a:rPr lang="en-US" altLang="zh-CN">
-                <a:sym typeface="+mn-ea"/>
-              </a:rPr>
-              <a:t>img</a:t>
-            </a:r>
-            <a:r>
-              <a:rPr lang="zh-CN" altLang="en-US">
-                <a:sym typeface="+mn-ea"/>
-              </a:rPr>
-              <a:t>、输入的投影信息、模型的结构、准确率、损失率、权重的变化情况、偏移的变化情况）</a:t>
-            </a:r>
-            <a:endParaRPr lang="zh-CN" altLang="en-US"/>
-          </a:p>
-          <a:p>
-            <a:r>
-              <a:rPr lang="zh-CN" altLang="en-US">
-                <a:sym typeface="+mn-ea"/>
-              </a:rPr>
-              <a:t>模型参数调整：调整学习速率（速率改大</a:t>
-            </a:r>
-            <a:r>
-              <a:rPr lang="en-US" altLang="zh-CN">
-                <a:sym typeface="+mn-ea"/>
-              </a:rPr>
-              <a:t>/</a:t>
-            </a:r>
-            <a:r>
-              <a:rPr lang="zh-CN" altLang="en-US">
-                <a:sym typeface="+mn-ea"/>
-              </a:rPr>
-              <a:t>改小），观察是否有改进</a:t>
-            </a:r>
-            <a:endParaRPr lang="zh-CN" altLang="en-US"/>
-          </a:p>
-          <a:p>
-            <a:endParaRPr lang="zh-CN" altLang="en-US"/>
-          </a:p>
-        </p:txBody>
-      </p:sp>
+            <a:endParaRPr lang="en-US" altLang="zh-CN"/>
+          </a:p>
+          <a:p>
+            <a:endParaRPr lang="en-US" altLang="zh-CN"/>
+          </a:p>
+          <a:p>
+            <a:endParaRPr lang="en-US" altLang="zh-CN"/>
+          </a:p>
+          <a:p>
+            <a:endParaRPr lang="en-US" altLang="zh-CN"/>
+          </a:p>
+          <a:p>
+            <a:endParaRPr lang="en-US" altLang="zh-CN"/>
+          </a:p>
+          <a:p>
+            <a:endParaRPr lang="en-US" altLang="zh-CN"/>
+          </a:p>
+          <a:p>
+            <a:endParaRPr lang="en-US" altLang="zh-CN"/>
+          </a:p>
+          <a:p>
+            <a:endParaRPr lang="zh-CN" altLang="en-US"/>
+          </a:p>
+          <a:p>
+            <a:endParaRPr lang="zh-CN" altLang="en-US"/>
+          </a:p>
+        </p:txBody>
+      </p:sp>
+      <p:graphicFrame>
+        <p:nvGraphicFramePr>
+          <p:cNvPr id="6" name="对象 5"/>
+          <p:cNvGraphicFramePr/>
+          <p:nvPr/>
+        </p:nvGraphicFramePr>
+        <p:xfrm>
+          <a:off x="1074420" y="2689860"/>
+          <a:ext cx="8855710" cy="3966845"/>
+        </p:xfrm>
+        <a:graphic>
+          <a:graphicData uri="http://schemas.openxmlformats.org/presentationml/2006/ole">
+            <mc:AlternateContent xmlns:mc="http://schemas.openxmlformats.org/markup-compatibility/2006">
+              <mc:Choice xmlns:v="urn:schemas-microsoft-com:vml" Requires="v">
+                <p:oleObj spid="_x0000_s7" name="" r:id="rId1" imgW="8848725" imgH="6677025" progId="Paint.Picture">
+                  <p:embed/>
+                </p:oleObj>
+              </mc:Choice>
+              <mc:Fallback>
+                <p:oleObj name="" r:id="rId1" imgW="8848725" imgH="6677025" progId="Paint.Picture">
+                  <p:embed/>
+                  <p:pic>
+                    <p:nvPicPr>
+                      <p:cNvPr id="0" name="图片 6"/>
+                      <p:cNvPicPr/>
+                      <p:nvPr/>
+                    </p:nvPicPr>
+                    <p:blipFill>
+                      <a:blip r:embed="rId2"/>
+                      <a:stretch>
+                        <a:fillRect/>
+                      </a:stretch>
+                    </p:blipFill>
+                    <p:spPr>
+                      <a:xfrm>
+                        <a:off x="1074420" y="2689860"/>
+                        <a:ext cx="8855710" cy="3966845"/>
+                      </a:xfrm>
+                      <a:prstGeom prst="rect">
+                        <a:avLst/>
+                      </a:prstGeom>
+                    </p:spPr>
+                  </p:pic>
+                </p:oleObj>
+              </mc:Fallback>
+            </mc:AlternateContent>
+          </a:graphicData>
+        </a:graphic>
+      </p:graphicFrame>
     </p:spTree>
   </p:cSld>
   <p:clrMapOvr>
@@ -6832,6 +7626,639 @@
 </file>
 
 <file path=ppt/slides/slide23.xml><?xml version="1.0" encoding="utf-8"?>
+<p:sld xmlns:a="http://schemas.openxmlformats.org/drawingml/2006/main" xmlns:r="http://schemas.openxmlformats.org/officeDocument/2006/relationships" xmlns:p="http://schemas.openxmlformats.org/presentationml/2006/main">
+  <p:cSld>
+    <p:spTree>
+      <p:nvGrpSpPr>
+        <p:cNvPr id="1" name=""/>
+        <p:cNvGrpSpPr/>
+        <p:nvPr/>
+      </p:nvGrpSpPr>
+      <p:grpSpPr/>
+      <p:sp>
+        <p:nvSpPr>
+          <p:cNvPr id="2" name="标题 1"/>
+          <p:cNvSpPr>
+            <a:spLocks noGrp="1"/>
+          </p:cNvSpPr>
+          <p:nvPr>
+            <p:ph type="title"/>
+          </p:nvPr>
+        </p:nvSpPr>
+        <p:spPr/>
+        <p:txBody>
+          <a:bodyPr/>
+          <a:p>
+            <a:pPr algn="ctr"/>
+            <a:r>
+              <a:rPr lang="en-US" altLang="zh-CN" b="1">
+                <a:sym typeface="+mn-ea"/>
+              </a:rPr>
+              <a:t>TensorBoard</a:t>
+            </a:r>
+            <a:r>
+              <a:rPr lang="zh-CN" altLang="en-US" b="1">
+                <a:sym typeface="+mn-ea"/>
+              </a:rPr>
+              <a:t>与误差反向传播</a:t>
+            </a:r>
+            <a:endParaRPr lang="zh-CN" altLang="en-US"/>
+          </a:p>
+        </p:txBody>
+      </p:sp>
+      <p:sp>
+        <p:nvSpPr>
+          <p:cNvPr id="3" name="内容占位符 2"/>
+          <p:cNvSpPr>
+            <a:spLocks noGrp="1"/>
+          </p:cNvSpPr>
+          <p:nvPr>
+            <p:ph idx="1"/>
+          </p:nvPr>
+        </p:nvSpPr>
+        <p:spPr/>
+        <p:txBody>
+          <a:bodyPr/>
+          <a:p>
+            <a:r>
+              <a:rPr lang="zh-CN" altLang="en-US"/>
+              <a:t>把</a:t>
+            </a:r>
+            <a:r>
+              <a:rPr lang="en-US" altLang="zh-CN"/>
+              <a:t>TensorBoard</a:t>
+            </a:r>
+            <a:r>
+              <a:rPr lang="zh-CN" altLang="en-US"/>
+              <a:t>的</a:t>
+            </a:r>
+            <a:r>
+              <a:rPr lang="en-US" altLang="zh-CN"/>
+              <a:t>train</a:t>
+            </a:r>
+            <a:r>
+              <a:rPr lang="zh-CN" altLang="en-US"/>
+              <a:t>名字域节点展开，可以看到反向传播的数据流（以后面的实验二为例）：</a:t>
+            </a:r>
+            <a:endParaRPr lang="zh-CN" altLang="en-US"/>
+          </a:p>
+          <a:p>
+            <a:endParaRPr lang="zh-CN" altLang="en-US"/>
+          </a:p>
+        </p:txBody>
+      </p:sp>
+      <p:graphicFrame>
+        <p:nvGraphicFramePr>
+          <p:cNvPr id="6" name="对象 5"/>
+          <p:cNvGraphicFramePr/>
+          <p:nvPr/>
+        </p:nvGraphicFramePr>
+        <p:xfrm>
+          <a:off x="1293495" y="2654935"/>
+          <a:ext cx="5556250" cy="3521710"/>
+        </p:xfrm>
+        <a:graphic>
+          <a:graphicData uri="http://schemas.openxmlformats.org/presentationml/2006/ole">
+            <mc:AlternateContent xmlns:mc="http://schemas.openxmlformats.org/markup-compatibility/2006">
+              <mc:Choice xmlns:v="urn:schemas-microsoft-com:vml" Requires="v">
+                <p:oleObj spid="_x0000_s7" name="" r:id="rId1" imgW="4800600" imgH="5124450" progId="Paint.Picture">
+                  <p:embed/>
+                </p:oleObj>
+              </mc:Choice>
+              <mc:Fallback>
+                <p:oleObj name="" r:id="rId1" imgW="4800600" imgH="5124450" progId="Paint.Picture">
+                  <p:embed/>
+                  <p:pic>
+                    <p:nvPicPr>
+                      <p:cNvPr id="0" name="图片 6"/>
+                      <p:cNvPicPr/>
+                      <p:nvPr/>
+                    </p:nvPicPr>
+                    <p:blipFill>
+                      <a:blip r:embed="rId2"/>
+                      <a:stretch>
+                        <a:fillRect/>
+                      </a:stretch>
+                    </p:blipFill>
+                    <p:spPr>
+                      <a:xfrm>
+                        <a:off x="1293495" y="2654935"/>
+                        <a:ext cx="5556250" cy="3521710"/>
+                      </a:xfrm>
+                      <a:prstGeom prst="rect">
+                        <a:avLst/>
+                      </a:prstGeom>
+                    </p:spPr>
+                  </p:pic>
+                </p:oleObj>
+              </mc:Fallback>
+            </mc:AlternateContent>
+          </a:graphicData>
+        </a:graphic>
+      </p:graphicFrame>
+    </p:spTree>
+  </p:cSld>
+  <p:clrMapOvr>
+    <a:masterClrMapping/>
+  </p:clrMapOvr>
+</p:sld>
+</file>
+
+<file path=ppt/slides/slide24.xml><?xml version="1.0" encoding="utf-8"?>
+<p:sld xmlns:a="http://schemas.openxmlformats.org/drawingml/2006/main" xmlns:r="http://schemas.openxmlformats.org/officeDocument/2006/relationships" xmlns:p="http://schemas.openxmlformats.org/presentationml/2006/main">
+  <p:cSld>
+    <p:spTree>
+      <p:nvGrpSpPr>
+        <p:cNvPr id="1" name=""/>
+        <p:cNvGrpSpPr/>
+        <p:nvPr/>
+      </p:nvGrpSpPr>
+      <p:grpSpPr/>
+      <p:sp>
+        <p:nvSpPr>
+          <p:cNvPr id="2" name="标题 1"/>
+          <p:cNvSpPr>
+            <a:spLocks noGrp="1"/>
+          </p:cNvSpPr>
+          <p:nvPr>
+            <p:ph type="title"/>
+          </p:nvPr>
+        </p:nvSpPr>
+        <p:spPr/>
+        <p:txBody>
+          <a:bodyPr/>
+          <a:p>
+            <a:pPr algn="ctr"/>
+            <a:r>
+              <a:rPr lang="en-US" altLang="zh-CN" b="1"/>
+              <a:t>TensorBoard</a:t>
+            </a:r>
+            <a:r>
+              <a:rPr lang="zh-CN" altLang="en-US" b="1"/>
+              <a:t>与代码阅读</a:t>
+            </a:r>
+            <a:endParaRPr lang="zh-CN" altLang="en-US" b="1"/>
+          </a:p>
+        </p:txBody>
+      </p:sp>
+      <p:sp>
+        <p:nvSpPr>
+          <p:cNvPr id="3" name="内容占位符 2"/>
+          <p:cNvSpPr>
+            <a:spLocks noGrp="1"/>
+          </p:cNvSpPr>
+          <p:nvPr>
+            <p:ph idx="1"/>
+          </p:nvPr>
+        </p:nvSpPr>
+        <p:spPr/>
+        <p:txBody>
+          <a:bodyPr/>
+          <a:p>
+            <a:r>
+              <a:rPr lang="en-US" altLang="zh-CN"/>
+              <a:t>TensordBoard</a:t>
+            </a:r>
+            <a:r>
+              <a:rPr lang="zh-CN" altLang="en-US"/>
+              <a:t>的数据流图，也潜在地指示了代码的执行流程。我们还可以把数据流图作为线索，作为分析</a:t>
+            </a:r>
+            <a:r>
+              <a:rPr lang="en-US" altLang="zh-CN"/>
+              <a:t>TensorFlow</a:t>
+            </a:r>
+            <a:r>
+              <a:rPr lang="zh-CN" altLang="en-US"/>
+              <a:t>代码的敲门砖。对于码农，感觉</a:t>
+            </a:r>
+            <a:r>
+              <a:rPr lang="zh-CN" altLang="en-US">
+                <a:sym typeface="+mn-ea"/>
+              </a:rPr>
+              <a:t>这个</a:t>
+            </a:r>
+            <a:r>
+              <a:rPr lang="zh-CN" altLang="en-US"/>
+              <a:t>是最优价值的。</a:t>
+            </a:r>
+            <a:endParaRPr lang="zh-CN" altLang="en-US"/>
+          </a:p>
+          <a:p>
+            <a:r>
+              <a:rPr lang="zh-CN" altLang="en-US"/>
+              <a:t>还是以反向传播为例（后文示例</a:t>
+            </a:r>
+            <a:r>
+              <a:rPr lang="en-US" altLang="zh-CN"/>
+              <a:t>1</a:t>
+            </a:r>
+            <a:r>
+              <a:rPr lang="zh-CN" altLang="en-US"/>
+              <a:t>）：</a:t>
+            </a:r>
+            <a:endParaRPr lang="zh-CN" altLang="en-US"/>
+          </a:p>
+          <a:p>
+            <a:endParaRPr lang="zh-CN" altLang="en-US"/>
+          </a:p>
+        </p:txBody>
+      </p:sp>
+      <p:graphicFrame>
+        <p:nvGraphicFramePr>
+          <p:cNvPr id="4" name="对象 3"/>
+          <p:cNvGraphicFramePr/>
+          <p:nvPr/>
+        </p:nvGraphicFramePr>
+        <p:xfrm>
+          <a:off x="1163320" y="3529330"/>
+          <a:ext cx="8140700" cy="2956560"/>
+        </p:xfrm>
+        <a:graphic>
+          <a:graphicData uri="http://schemas.openxmlformats.org/presentationml/2006/ole">
+            <mc:AlternateContent xmlns:mc="http://schemas.openxmlformats.org/markup-compatibility/2006">
+              <mc:Choice xmlns:v="urn:schemas-microsoft-com:vml" Requires="v">
+                <p:oleObj spid="_x0000_s5" name="" r:id="rId1" imgW="7915275" imgH="4648200" progId="Paint.Picture">
+                  <p:embed/>
+                </p:oleObj>
+              </mc:Choice>
+              <mc:Fallback>
+                <p:oleObj name="" r:id="rId1" imgW="7915275" imgH="4648200" progId="Paint.Picture">
+                  <p:embed/>
+                  <p:pic>
+                    <p:nvPicPr>
+                      <p:cNvPr id="0" name="图片 4"/>
+                      <p:cNvPicPr/>
+                      <p:nvPr/>
+                    </p:nvPicPr>
+                    <p:blipFill>
+                      <a:blip r:embed="rId2"/>
+                      <a:stretch>
+                        <a:fillRect/>
+                      </a:stretch>
+                    </p:blipFill>
+                    <p:spPr>
+                      <a:xfrm>
+                        <a:off x="1163320" y="3529330"/>
+                        <a:ext cx="8140700" cy="2956560"/>
+                      </a:xfrm>
+                      <a:prstGeom prst="rect">
+                        <a:avLst/>
+                      </a:prstGeom>
+                    </p:spPr>
+                  </p:pic>
+                </p:oleObj>
+              </mc:Fallback>
+            </mc:AlternateContent>
+          </a:graphicData>
+        </a:graphic>
+      </p:graphicFrame>
+    </p:spTree>
+  </p:cSld>
+  <p:clrMapOvr>
+    <a:masterClrMapping/>
+  </p:clrMapOvr>
+</p:sld>
+</file>
+
+<file path=ppt/slides/slide25.xml><?xml version="1.0" encoding="utf-8"?>
+<p:sld xmlns:a="http://schemas.openxmlformats.org/drawingml/2006/main" xmlns:r="http://schemas.openxmlformats.org/officeDocument/2006/relationships" xmlns:p="http://schemas.openxmlformats.org/presentationml/2006/main">
+  <p:cSld>
+    <p:spTree>
+      <p:nvGrpSpPr>
+        <p:cNvPr id="1" name=""/>
+        <p:cNvGrpSpPr/>
+        <p:nvPr/>
+      </p:nvGrpSpPr>
+      <p:grpSpPr/>
+      <p:sp>
+        <p:nvSpPr>
+          <p:cNvPr id="2" name="标题 1"/>
+          <p:cNvSpPr>
+            <a:spLocks noGrp="1"/>
+          </p:cNvSpPr>
+          <p:nvPr>
+            <p:ph type="title"/>
+          </p:nvPr>
+        </p:nvSpPr>
+        <p:spPr/>
+        <p:txBody>
+          <a:bodyPr>
+            <a:normAutofit/>
+          </a:bodyPr>
+          <a:p>
+            <a:pPr algn="ctr"/>
+            <a:r>
+              <a:rPr lang="en-US" altLang="zh-CN" b="1">
+                <a:sym typeface="+mn-ea"/>
+              </a:rPr>
+              <a:t>TensorBoard</a:t>
+            </a:r>
+            <a:r>
+              <a:rPr lang="zh-CN" altLang="en-US" b="1">
+                <a:sym typeface="+mn-ea"/>
+              </a:rPr>
+              <a:t>与代码阅读</a:t>
+            </a:r>
+            <a:endParaRPr lang="zh-CN" altLang="en-US"/>
+          </a:p>
+        </p:txBody>
+      </p:sp>
+      <p:sp>
+        <p:nvSpPr>
+          <p:cNvPr id="3" name="内容占位符 2"/>
+          <p:cNvSpPr>
+            <a:spLocks noGrp="1"/>
+          </p:cNvSpPr>
+          <p:nvPr>
+            <p:ph idx="1"/>
+          </p:nvPr>
+        </p:nvSpPr>
+        <p:spPr/>
+        <p:txBody>
+          <a:bodyPr/>
+          <a:p>
+            <a:r>
+              <a:rPr lang="zh-CN" altLang="en-US"/>
+              <a:t>深入到</a:t>
+            </a:r>
+            <a:r>
+              <a:rPr lang="en-US" altLang="zh-CN"/>
+              <a:t>add_grad</a:t>
+            </a:r>
+            <a:r>
+              <a:rPr lang="zh-CN" altLang="en-US"/>
+              <a:t>里面：</a:t>
+            </a:r>
+            <a:endParaRPr lang="zh-CN" altLang="en-US"/>
+          </a:p>
+          <a:p>
+            <a:endParaRPr lang="zh-CN" altLang="en-US"/>
+          </a:p>
+        </p:txBody>
+      </p:sp>
+      <p:graphicFrame>
+        <p:nvGraphicFramePr>
+          <p:cNvPr id="4" name="对象 3"/>
+          <p:cNvGraphicFramePr/>
+          <p:nvPr/>
+        </p:nvGraphicFramePr>
+        <p:xfrm>
+          <a:off x="1080135" y="2437130"/>
+          <a:ext cx="6201410" cy="3638550"/>
+        </p:xfrm>
+        <a:graphic>
+          <a:graphicData uri="http://schemas.openxmlformats.org/presentationml/2006/ole">
+            <mc:AlternateContent xmlns:mc="http://schemas.openxmlformats.org/markup-compatibility/2006">
+              <mc:Choice xmlns:v="urn:schemas-microsoft-com:vml" Requires="v">
+                <p:oleObj spid="_x0000_s5" name="" r:id="rId1" imgW="4572000" imgH="4514850" progId="Paint.Picture">
+                  <p:embed/>
+                </p:oleObj>
+              </mc:Choice>
+              <mc:Fallback>
+                <p:oleObj name="" r:id="rId1" imgW="4572000" imgH="4514850" progId="Paint.Picture">
+                  <p:embed/>
+                  <p:pic>
+                    <p:nvPicPr>
+                      <p:cNvPr id="0" name="图片 4"/>
+                      <p:cNvPicPr/>
+                      <p:nvPr/>
+                    </p:nvPicPr>
+                    <p:blipFill>
+                      <a:blip r:embed="rId2"/>
+                      <a:stretch>
+                        <a:fillRect/>
+                      </a:stretch>
+                    </p:blipFill>
+                    <p:spPr>
+                      <a:xfrm>
+                        <a:off x="1080135" y="2437130"/>
+                        <a:ext cx="6201410" cy="3638550"/>
+                      </a:xfrm>
+                      <a:prstGeom prst="rect">
+                        <a:avLst/>
+                      </a:prstGeom>
+                    </p:spPr>
+                  </p:pic>
+                </p:oleObj>
+              </mc:Fallback>
+            </mc:AlternateContent>
+          </a:graphicData>
+        </a:graphic>
+      </p:graphicFrame>
+    </p:spTree>
+  </p:cSld>
+  <p:clrMapOvr>
+    <a:masterClrMapping/>
+  </p:clrMapOvr>
+</p:sld>
+</file>
+
+<file path=ppt/slides/slide26.xml><?xml version="1.0" encoding="utf-8"?>
+<p:sld xmlns:a="http://schemas.openxmlformats.org/drawingml/2006/main" xmlns:r="http://schemas.openxmlformats.org/officeDocument/2006/relationships" xmlns:p="http://schemas.openxmlformats.org/presentationml/2006/main">
+  <p:cSld>
+    <p:spTree>
+      <p:nvGrpSpPr>
+        <p:cNvPr id="1" name=""/>
+        <p:cNvGrpSpPr/>
+        <p:nvPr/>
+      </p:nvGrpSpPr>
+      <p:grpSpPr/>
+      <p:sp>
+        <p:nvSpPr>
+          <p:cNvPr id="2" name="标题 1"/>
+          <p:cNvSpPr>
+            <a:spLocks noGrp="1"/>
+          </p:cNvSpPr>
+          <p:nvPr>
+            <p:ph type="title"/>
+          </p:nvPr>
+        </p:nvSpPr>
+        <p:spPr/>
+        <p:txBody>
+          <a:bodyPr/>
+          <a:p>
+            <a:pPr algn="ctr"/>
+            <a:r>
+              <a:rPr lang="zh-CN" altLang="en-US" b="1"/>
+              <a:t>实验一（简单</a:t>
+            </a:r>
+            <a:r>
+              <a:rPr lang="en-US" altLang="zh-CN" b="1"/>
+              <a:t>mnist</a:t>
+            </a:r>
+            <a:r>
+              <a:rPr lang="zh-CN" altLang="en-US" b="1"/>
+              <a:t>）</a:t>
+            </a:r>
+            <a:endParaRPr lang="zh-CN" altLang="en-US" b="1"/>
+          </a:p>
+        </p:txBody>
+      </p:sp>
+      <p:sp>
+        <p:nvSpPr>
+          <p:cNvPr id="3" name="内容占位符 2"/>
+          <p:cNvSpPr>
+            <a:spLocks noGrp="1"/>
+          </p:cNvSpPr>
+          <p:nvPr>
+            <p:ph idx="1"/>
+          </p:nvPr>
+        </p:nvSpPr>
+        <p:spPr/>
+        <p:txBody>
+          <a:bodyPr>
+            <a:normAutofit lnSpcReduction="10000"/>
+          </a:bodyPr>
+          <a:p>
+            <a:r>
+              <a:rPr lang="zh-CN" altLang="en-US">
+                <a:sym typeface="+mn-ea"/>
+              </a:rPr>
+              <a:t>原始代码</a:t>
+            </a:r>
+            <a:r>
+              <a:rPr lang="en-US" altLang="zh-CN">
+                <a:sym typeface="+mn-ea"/>
+              </a:rPr>
+              <a:t>(</a:t>
+            </a:r>
+            <a:r>
+              <a:rPr lang="zh-CN" altLang="en-US">
+                <a:sym typeface="+mn-ea"/>
+              </a:rPr>
+              <a:t>来自《</a:t>
+            </a:r>
+            <a:r>
+              <a:rPr lang="zh-CN" altLang="en-US" dirty="0">
+                <a:sym typeface="+mn-ea"/>
+              </a:rPr>
+              <a:t>深度学习之</a:t>
+            </a:r>
+            <a:r>
+              <a:rPr lang="en-US" altLang="zh-CN" dirty="0">
+                <a:sym typeface="+mn-ea"/>
+              </a:rPr>
+              <a:t>TensorFlow </a:t>
+            </a:r>
+            <a:r>
+              <a:rPr lang="zh-CN" altLang="en-US" dirty="0">
+                <a:sym typeface="+mn-ea"/>
+              </a:rPr>
+              <a:t>入门、原理与进阶实战</a:t>
+            </a:r>
+            <a:r>
+              <a:rPr lang="en-US" altLang="zh-CN" dirty="0">
+                <a:sym typeface="+mn-ea"/>
+              </a:rPr>
+              <a:t>》 </a:t>
+            </a:r>
+            <a:r>
+              <a:rPr lang="zh-CN" altLang="en-US" dirty="0">
+                <a:sym typeface="+mn-ea"/>
+              </a:rPr>
+              <a:t>李金洪著</a:t>
+            </a:r>
+            <a:r>
+              <a:rPr lang="en-US" altLang="zh-CN">
+                <a:sym typeface="+mn-ea"/>
+              </a:rPr>
+              <a:t>)</a:t>
+            </a:r>
+            <a:endParaRPr lang="en-US" altLang="zh-CN">
+              <a:sym typeface="+mn-ea"/>
+            </a:endParaRPr>
+          </a:p>
+          <a:p>
+            <a:r>
+              <a:rPr lang="zh-CN" altLang="en-US">
+                <a:sym typeface="+mn-ea"/>
+              </a:rPr>
+              <a:t>修改代码，使之支持</a:t>
+            </a:r>
+            <a:r>
+              <a:rPr lang="en-US" altLang="zh-CN">
+                <a:sym typeface="+mn-ea"/>
+              </a:rPr>
+              <a:t>tensorboard</a:t>
+            </a:r>
+            <a:r>
+              <a:rPr lang="zh-CN" altLang="en-US">
+                <a:sym typeface="+mn-ea"/>
+              </a:rPr>
+              <a:t>（见附件）</a:t>
+            </a:r>
+            <a:endParaRPr lang="zh-CN" altLang="en-US">
+              <a:sym typeface="+mn-ea"/>
+            </a:endParaRPr>
+          </a:p>
+          <a:p>
+            <a:r>
+              <a:rPr lang="zh-CN" altLang="en-US">
+                <a:sym typeface="+mn-ea"/>
+              </a:rPr>
+              <a:t>分析</a:t>
+            </a:r>
+            <a:r>
+              <a:rPr lang="en-US" altLang="zh-CN">
+                <a:sym typeface="+mn-ea"/>
+              </a:rPr>
+              <a:t>tensorboard</a:t>
+            </a:r>
+            <a:r>
+              <a:rPr lang="zh-CN" altLang="en-US">
+                <a:sym typeface="+mn-ea"/>
+              </a:rPr>
+              <a:t>显示的信息（输入的</a:t>
+            </a:r>
+            <a:r>
+              <a:rPr lang="en-US" altLang="zh-CN">
+                <a:sym typeface="+mn-ea"/>
+              </a:rPr>
+              <a:t>img</a:t>
+            </a:r>
+            <a:r>
+              <a:rPr lang="zh-CN" altLang="en-US">
+                <a:sym typeface="+mn-ea"/>
+              </a:rPr>
+              <a:t>、输入的投影信息、模型的结构、准确率、损失率、权重的变化情况、偏移的变化情况）</a:t>
+            </a:r>
+            <a:endParaRPr lang="zh-CN" altLang="en-US"/>
+          </a:p>
+          <a:p>
+            <a:r>
+              <a:rPr lang="zh-CN" altLang="en-US">
+                <a:sym typeface="+mn-ea"/>
+              </a:rPr>
+              <a:t>模型参数调整：调整学习速率（速率改大</a:t>
+            </a:r>
+            <a:r>
+              <a:rPr lang="en-US" altLang="zh-CN">
+                <a:sym typeface="+mn-ea"/>
+              </a:rPr>
+              <a:t>/</a:t>
+            </a:r>
+            <a:r>
+              <a:rPr lang="zh-CN" altLang="en-US">
+                <a:sym typeface="+mn-ea"/>
+              </a:rPr>
+              <a:t>改小），观察是否有改进</a:t>
+            </a:r>
+            <a:endParaRPr lang="zh-CN" altLang="en-US"/>
+          </a:p>
+          <a:p>
+            <a:endParaRPr lang="zh-CN" altLang="en-US"/>
+          </a:p>
+        </p:txBody>
+      </p:sp>
+    </p:spTree>
+  </p:cSld>
+  <p:clrMapOvr>
+    <a:masterClrMapping/>
+  </p:clrMapOvr>
+</p:sld>
+</file>
+
+<file path=ppt/slides/slide27.xml><?xml version="1.0" encoding="utf-8"?>
 <p:sld xmlns:a="http://schemas.openxmlformats.org/drawingml/2006/main" xmlns:r="http://schemas.openxmlformats.org/officeDocument/2006/relationships" xmlns:p="http://schemas.openxmlformats.org/presentationml/2006/main">
   <p:cSld>
     <p:spTree>
@@ -6960,7 +8387,7 @@
 </p:sld>
 </file>
 
-<file path=ppt/slides/slide24.xml><?xml version="1.0" encoding="utf-8"?>
+<file path=ppt/slides/slide28.xml><?xml version="1.0" encoding="utf-8"?>
 <p:sld xmlns:a="http://schemas.openxmlformats.org/drawingml/2006/main" xmlns:r="http://schemas.openxmlformats.org/officeDocument/2006/relationships" xmlns:p="http://schemas.openxmlformats.org/presentationml/2006/main">
   <p:cSld>
     <p:spTree>
@@ -7104,7 +8531,7 @@
 </p:sld>
 </file>
 
-<file path=ppt/slides/slide25.xml><?xml version="1.0" encoding="utf-8"?>
+<file path=ppt/slides/slide29.xml><?xml version="1.0" encoding="utf-8"?>
 <p:sld xmlns:a="http://schemas.openxmlformats.org/drawingml/2006/main" xmlns:r="http://schemas.openxmlformats.org/officeDocument/2006/relationships" xmlns:p="http://schemas.openxmlformats.org/presentationml/2006/main">
   <p:cSld>
     <p:spTree>
@@ -7257,7 +8684,90 @@
 </p:sld>
 </file>
 
-<file path=ppt/slides/slide26.xml><?xml version="1.0" encoding="utf-8"?>
+<file path=ppt/slides/slide3.xml><?xml version="1.0" encoding="utf-8"?>
+<p:sld xmlns:a="http://schemas.openxmlformats.org/drawingml/2006/main" xmlns:r="http://schemas.openxmlformats.org/officeDocument/2006/relationships" xmlns:p="http://schemas.openxmlformats.org/presentationml/2006/main">
+  <p:cSld>
+    <p:spTree>
+      <p:nvGrpSpPr>
+        <p:cNvPr id="1" name=""/>
+        <p:cNvGrpSpPr/>
+        <p:nvPr/>
+      </p:nvGrpSpPr>
+      <p:grpSpPr/>
+      <p:sp>
+        <p:nvSpPr>
+          <p:cNvPr id="2" name="标题 1"/>
+          <p:cNvSpPr>
+            <a:spLocks noGrp="1"/>
+          </p:cNvSpPr>
+          <p:nvPr>
+            <p:ph type="title"/>
+          </p:nvPr>
+        </p:nvSpPr>
+        <p:spPr/>
+        <p:txBody>
+          <a:bodyPr/>
+          <a:p>
+            <a:pPr algn="ctr"/>
+            <a:r>
+              <a:rPr lang="zh-CN" altLang="en-US" b="1"/>
+              <a:t>神经网络的缺陷</a:t>
+            </a:r>
+            <a:endParaRPr lang="zh-CN" altLang="en-US" b="1"/>
+          </a:p>
+        </p:txBody>
+      </p:sp>
+      <p:sp>
+        <p:nvSpPr>
+          <p:cNvPr id="3" name="内容占位符 2"/>
+          <p:cNvSpPr>
+            <a:spLocks noGrp="1"/>
+          </p:cNvSpPr>
+          <p:nvPr>
+            <p:ph idx="1"/>
+          </p:nvPr>
+        </p:nvSpPr>
+        <p:spPr/>
+        <p:txBody>
+          <a:bodyPr/>
+          <a:p>
+            <a:r>
+              <a:rPr lang="zh-CN" altLang="en-US"/>
+              <a:t>在算法设计的过程中，开发者需要剖析神经网络的结构和数据的流向。</a:t>
+            </a:r>
+            <a:endParaRPr lang="zh-CN" altLang="en-US"/>
+          </a:p>
+          <a:p>
+            <a:r>
+              <a:rPr lang="zh-CN" altLang="en-US"/>
+              <a:t>在模型训练的过程中， 用户也需要关注参数的变化趋势和模型的效果。</a:t>
+            </a:r>
+            <a:endParaRPr lang="zh-CN" altLang="en-US"/>
+          </a:p>
+          <a:p>
+            <a:endParaRPr lang="zh-CN" altLang="en-US"/>
+          </a:p>
+          <a:p>
+            <a:pPr marL="0" indent="0">
+              <a:buNone/>
+            </a:pPr>
+            <a:r>
+              <a:rPr lang="zh-CN" altLang="en-US"/>
+              <a:t>    所以我们需要一个工具来对神经网络进行可视化。</a:t>
+            </a:r>
+            <a:endParaRPr lang="zh-CN" altLang="en-US"/>
+          </a:p>
+        </p:txBody>
+      </p:sp>
+    </p:spTree>
+  </p:cSld>
+  <p:clrMapOvr>
+    <a:masterClrMapping/>
+  </p:clrMapOvr>
+</p:sld>
+</file>
+
+<file path=ppt/slides/slide30.xml><?xml version="1.0" encoding="utf-8"?>
 <p:sld xmlns:a="http://schemas.openxmlformats.org/drawingml/2006/main" xmlns:r="http://schemas.openxmlformats.org/officeDocument/2006/relationships" xmlns:p="http://schemas.openxmlformats.org/presentationml/2006/main">
   <p:cSld>
     <p:spTree>
@@ -7390,7 +8900,7 @@
 </p:sld>
 </file>
 
-<file path=ppt/slides/slide27.xml><?xml version="1.0" encoding="utf-8"?>
+<file path=ppt/slides/slide31.xml><?xml version="1.0" encoding="utf-8"?>
 <p:sld xmlns:a="http://schemas.openxmlformats.org/drawingml/2006/main" xmlns:r="http://schemas.openxmlformats.org/officeDocument/2006/relationships" xmlns:p="http://schemas.openxmlformats.org/presentationml/2006/main">
   <p:cSld>
     <p:spTree>
@@ -7470,89 +8980,6 @@
               <a:t>......</a:t>
             </a:r>
             <a:endParaRPr lang="en-US" altLang="zh-CN"/>
-          </a:p>
-        </p:txBody>
-      </p:sp>
-    </p:spTree>
-  </p:cSld>
-  <p:clrMapOvr>
-    <a:masterClrMapping/>
-  </p:clrMapOvr>
-</p:sld>
-</file>
-
-<file path=ppt/slides/slide3.xml><?xml version="1.0" encoding="utf-8"?>
-<p:sld xmlns:a="http://schemas.openxmlformats.org/drawingml/2006/main" xmlns:r="http://schemas.openxmlformats.org/officeDocument/2006/relationships" xmlns:p="http://schemas.openxmlformats.org/presentationml/2006/main">
-  <p:cSld>
-    <p:spTree>
-      <p:nvGrpSpPr>
-        <p:cNvPr id="1" name=""/>
-        <p:cNvGrpSpPr/>
-        <p:nvPr/>
-      </p:nvGrpSpPr>
-      <p:grpSpPr/>
-      <p:sp>
-        <p:nvSpPr>
-          <p:cNvPr id="2" name="标题 1"/>
-          <p:cNvSpPr>
-            <a:spLocks noGrp="1"/>
-          </p:cNvSpPr>
-          <p:nvPr>
-            <p:ph type="title"/>
-          </p:nvPr>
-        </p:nvSpPr>
-        <p:spPr/>
-        <p:txBody>
-          <a:bodyPr/>
-          <a:p>
-            <a:pPr algn="ctr"/>
-            <a:r>
-              <a:rPr lang="zh-CN" altLang="en-US" b="1"/>
-              <a:t>神经网络的缺陷</a:t>
-            </a:r>
-            <a:endParaRPr lang="zh-CN" altLang="en-US" b="1"/>
-          </a:p>
-        </p:txBody>
-      </p:sp>
-      <p:sp>
-        <p:nvSpPr>
-          <p:cNvPr id="3" name="内容占位符 2"/>
-          <p:cNvSpPr>
-            <a:spLocks noGrp="1"/>
-          </p:cNvSpPr>
-          <p:nvPr>
-            <p:ph idx="1"/>
-          </p:nvPr>
-        </p:nvSpPr>
-        <p:spPr/>
-        <p:txBody>
-          <a:bodyPr/>
-          <a:p>
-            <a:r>
-              <a:rPr lang="zh-CN" altLang="en-US"/>
-              <a:t>在算法设计的过程中，开发者需要剖析神经网络的结构和数据的流向。</a:t>
-            </a:r>
-            <a:endParaRPr lang="zh-CN" altLang="en-US"/>
-          </a:p>
-          <a:p>
-            <a:r>
-              <a:rPr lang="zh-CN" altLang="en-US"/>
-              <a:t>在模型训练的过程中， 用户也需要关注参数的变化趋势和模型的效果。</a:t>
-            </a:r>
-            <a:endParaRPr lang="zh-CN" altLang="en-US"/>
-          </a:p>
-          <a:p>
-            <a:endParaRPr lang="zh-CN" altLang="en-US"/>
-          </a:p>
-          <a:p>
-            <a:pPr marL="0" indent="0">
-              <a:buNone/>
-            </a:pPr>
-            <a:r>
-              <a:rPr lang="zh-CN" altLang="en-US"/>
-              <a:t>    所以我们需要一个工具来对神经网络进行可视化。</a:t>
-            </a:r>
-            <a:endParaRPr lang="zh-CN" altLang="en-US"/>
           </a:p>
         </p:txBody>
       </p:sp>
